--- a/output/pp_master.pptx
+++ b/output/pp_master.pptx
@@ -120,6 +120,118 @@
 <file path=ppt/changesInfos/changesInfo1.xml><?xml version="1.0" encoding="utf-8"?>
 <pc:chgInfo xmlns:a="http://schemas.openxmlformats.org/drawingml/2006/main" xmlns:r="http://schemas.openxmlformats.org/officeDocument/2006/relationships" xmlns:ac="http://schemas.microsoft.com/office/drawing/2013/main/command" xmlns:pc="http://schemas.microsoft.com/office/powerpoint/2013/main/command">
   <pc:docChgLst>
+    <pc:chgData name="Laura Birks" userId="1d9e98d4-a67b-4d2d-a30a-cea635c3d15f" providerId="ADAL" clId="{6D8EB72A-41EB-4283-8547-C8B14FC1AF8C}"/>
+    <pc:docChg chg="undo custSel modMainMaster">
+      <pc:chgData name="Laura Birks" userId="1d9e98d4-a67b-4d2d-a30a-cea635c3d15f" providerId="ADAL" clId="{6D8EB72A-41EB-4283-8547-C8B14FC1AF8C}" dt="2023-11-03T10:29:13.833" v="24" actId="14100"/>
+      <pc:docMkLst>
+        <pc:docMk/>
+      </pc:docMkLst>
+      <pc:sldMasterChg chg="modSldLayout">
+        <pc:chgData name="Laura Birks" userId="1d9e98d4-a67b-4d2d-a30a-cea635c3d15f" providerId="ADAL" clId="{6D8EB72A-41EB-4283-8547-C8B14FC1AF8C}" dt="2023-11-03T10:29:13.833" v="24" actId="14100"/>
+        <pc:sldMasterMkLst>
+          <pc:docMk/>
+          <pc:sldMasterMk cId="2002203946" sldId="2147483666"/>
+        </pc:sldMasterMkLst>
+        <pc:sldLayoutChg chg="addSp delSp modSp mod">
+          <pc:chgData name="Laura Birks" userId="1d9e98d4-a67b-4d2d-a30a-cea635c3d15f" providerId="ADAL" clId="{6D8EB72A-41EB-4283-8547-C8B14FC1AF8C}" dt="2023-10-25T14:03:31.473" v="15" actId="478"/>
+          <pc:sldLayoutMkLst>
+            <pc:docMk/>
+            <pc:sldMasterMk cId="2002203946" sldId="2147483666"/>
+            <pc:sldLayoutMk cId="410416902" sldId="2147483713"/>
+          </pc:sldLayoutMkLst>
+          <pc:spChg chg="del">
+            <ac:chgData name="Laura Birks" userId="1d9e98d4-a67b-4d2d-a30a-cea635c3d15f" providerId="ADAL" clId="{6D8EB72A-41EB-4283-8547-C8B14FC1AF8C}" dt="2023-10-25T14:03:31.473" v="15" actId="478"/>
+            <ac:spMkLst>
+              <pc:docMk/>
+              <pc:sldMasterMk cId="2002203946" sldId="2147483666"/>
+              <pc:sldLayoutMk cId="410416902" sldId="2147483713"/>
+              <ac:spMk id="5" creationId="{27C9A4BA-CD7C-BF8C-6221-BCB58BC96EC4}"/>
+            </ac:spMkLst>
+          </pc:spChg>
+          <pc:picChg chg="add del mod ord">
+            <ac:chgData name="Laura Birks" userId="1d9e98d4-a67b-4d2d-a30a-cea635c3d15f" providerId="ADAL" clId="{6D8EB72A-41EB-4283-8547-C8B14FC1AF8C}" dt="2023-10-25T14:03:29.919" v="14" actId="167"/>
+            <ac:picMkLst>
+              <pc:docMk/>
+              <pc:sldMasterMk cId="2002203946" sldId="2147483666"/>
+              <pc:sldLayoutMk cId="410416902" sldId="2147483713"/>
+              <ac:picMk id="9" creationId="{2D07C2D6-AB1B-B84B-BC13-7D79E8BCFCF8}"/>
+            </ac:picMkLst>
+          </pc:picChg>
+        </pc:sldLayoutChg>
+        <pc:sldLayoutChg chg="delSp mod">
+          <pc:chgData name="Laura Birks" userId="1d9e98d4-a67b-4d2d-a30a-cea635c3d15f" providerId="ADAL" clId="{6D8EB72A-41EB-4283-8547-C8B14FC1AF8C}" dt="2023-10-25T14:03:20.079" v="9" actId="478"/>
+          <pc:sldLayoutMkLst>
+            <pc:docMk/>
+            <pc:sldMasterMk cId="2002203946" sldId="2147483666"/>
+            <pc:sldLayoutMk cId="1302569558" sldId="2147483716"/>
+          </pc:sldLayoutMkLst>
+          <pc:spChg chg="del">
+            <ac:chgData name="Laura Birks" userId="1d9e98d4-a67b-4d2d-a30a-cea635c3d15f" providerId="ADAL" clId="{6D8EB72A-41EB-4283-8547-C8B14FC1AF8C}" dt="2023-10-25T14:03:20.079" v="9" actId="478"/>
+            <ac:spMkLst>
+              <pc:docMk/>
+              <pc:sldMasterMk cId="2002203946" sldId="2147483666"/>
+              <pc:sldLayoutMk cId="1302569558" sldId="2147483716"/>
+              <ac:spMk id="14" creationId="{EA60DD58-05DE-E835-E697-CB9A9B0B94EE}"/>
+            </ac:spMkLst>
+          </pc:spChg>
+        </pc:sldLayoutChg>
+        <pc:sldLayoutChg chg="delSp modSp mod">
+          <pc:chgData name="Laura Birks" userId="1d9e98d4-a67b-4d2d-a30a-cea635c3d15f" providerId="ADAL" clId="{6D8EB72A-41EB-4283-8547-C8B14FC1AF8C}" dt="2023-11-03T10:29:13.833" v="24" actId="14100"/>
+          <pc:sldLayoutMkLst>
+            <pc:docMk/>
+            <pc:sldMasterMk cId="2002203946" sldId="2147483666"/>
+            <pc:sldLayoutMk cId="1392364112" sldId="2147483717"/>
+          </pc:sldLayoutMkLst>
+          <pc:spChg chg="mod">
+            <ac:chgData name="Laura Birks" userId="1d9e98d4-a67b-4d2d-a30a-cea635c3d15f" providerId="ADAL" clId="{6D8EB72A-41EB-4283-8547-C8B14FC1AF8C}" dt="2023-10-25T14:03:42.431" v="17" actId="1076"/>
+            <ac:spMkLst>
+              <pc:docMk/>
+              <pc:sldMasterMk cId="2002203946" sldId="2147483666"/>
+              <pc:sldLayoutMk cId="1392364112" sldId="2147483717"/>
+              <ac:spMk id="6" creationId="{9374D22D-B944-92EA-52A1-50D6FD937F25}"/>
+            </ac:spMkLst>
+          </pc:spChg>
+          <pc:spChg chg="mod">
+            <ac:chgData name="Laura Birks" userId="1d9e98d4-a67b-4d2d-a30a-cea635c3d15f" providerId="ADAL" clId="{6D8EB72A-41EB-4283-8547-C8B14FC1AF8C}" dt="2023-10-25T14:03:52.880" v="21" actId="403"/>
+            <ac:spMkLst>
+              <pc:docMk/>
+              <pc:sldMasterMk cId="2002203946" sldId="2147483666"/>
+              <pc:sldLayoutMk cId="1392364112" sldId="2147483717"/>
+              <ac:spMk id="7" creationId="{47E4AB90-2CB6-0646-B56C-4B58E33EC909}"/>
+            </ac:spMkLst>
+          </pc:spChg>
+          <pc:spChg chg="mod">
+            <ac:chgData name="Laura Birks" userId="1d9e98d4-a67b-4d2d-a30a-cea635c3d15f" providerId="ADAL" clId="{6D8EB72A-41EB-4283-8547-C8B14FC1AF8C}" dt="2023-10-25T14:04:05.534" v="23" actId="14100"/>
+            <ac:spMkLst>
+              <pc:docMk/>
+              <pc:sldMasterMk cId="2002203946" sldId="2147483666"/>
+              <pc:sldLayoutMk cId="1392364112" sldId="2147483717"/>
+              <ac:spMk id="13" creationId="{14817992-0A9D-E7F5-4CBC-352D5F4839CE}"/>
+            </ac:spMkLst>
+          </pc:spChg>
+          <pc:spChg chg="del mod">
+            <ac:chgData name="Laura Birks" userId="1d9e98d4-a67b-4d2d-a30a-cea635c3d15f" providerId="ADAL" clId="{6D8EB72A-41EB-4283-8547-C8B14FC1AF8C}" dt="2023-10-25T14:03:07.700" v="6" actId="478"/>
+            <ac:spMkLst>
+              <pc:docMk/>
+              <pc:sldMasterMk cId="2002203946" sldId="2147483666"/>
+              <pc:sldLayoutMk cId="1392364112" sldId="2147483717"/>
+              <ac:spMk id="14" creationId="{EA60DD58-05DE-E835-E697-CB9A9B0B94EE}"/>
+            </ac:spMkLst>
+          </pc:spChg>
+          <pc:spChg chg="mod">
+            <ac:chgData name="Laura Birks" userId="1d9e98d4-a67b-4d2d-a30a-cea635c3d15f" providerId="ADAL" clId="{6D8EB72A-41EB-4283-8547-C8B14FC1AF8C}" dt="2023-11-03T10:29:13.833" v="24" actId="14100"/>
+            <ac:spMkLst>
+              <pc:docMk/>
+              <pc:sldMasterMk cId="2002203946" sldId="2147483666"/>
+              <pc:sldLayoutMk cId="1392364112" sldId="2147483717"/>
+              <ac:spMk id="15" creationId="{73B24655-9588-E787-79C1-86112762F024}"/>
+            </ac:spMkLst>
+          </pc:spChg>
+        </pc:sldLayoutChg>
+      </pc:sldMasterChg>
+    </pc:docChg>
+  </pc:docChgLst>
+  <pc:docChgLst>
     <pc:chgData name="Tom Hook" userId="a1f5c8d4-6fc0-4d94-8d42-ac8886a43439" providerId="ADAL" clId="{E50DE31C-B2F9-408A-8920-0DC42F4D588F}"/>
     <pc:docChg chg="undo redo custSel addSld delSld delMainMaster modMainMaster">
       <pc:chgData name="Tom Hook" userId="a1f5c8d4-6fc0-4d94-8d42-ac8886a43439" providerId="ADAL" clId="{E50DE31C-B2F9-408A-8920-0DC42F4D588F}" dt="2023-07-13T12:38:06.251" v="565" actId="14100"/>
@@ -1142,118 +1254,6 @@
               <ac:cxnSpMk id="12" creationId="{18E2133D-2149-6B45-BEAB-A2D5E225B5AD}"/>
             </ac:cxnSpMkLst>
           </pc:cxnChg>
-        </pc:sldLayoutChg>
-      </pc:sldMasterChg>
-    </pc:docChg>
-  </pc:docChgLst>
-  <pc:docChgLst>
-    <pc:chgData name="Laura Birks" userId="1d9e98d4-a67b-4d2d-a30a-cea635c3d15f" providerId="ADAL" clId="{6D8EB72A-41EB-4283-8547-C8B14FC1AF8C}"/>
-    <pc:docChg chg="undo custSel modMainMaster">
-      <pc:chgData name="Laura Birks" userId="1d9e98d4-a67b-4d2d-a30a-cea635c3d15f" providerId="ADAL" clId="{6D8EB72A-41EB-4283-8547-C8B14FC1AF8C}" dt="2023-11-03T10:29:13.833" v="24" actId="14100"/>
-      <pc:docMkLst>
-        <pc:docMk/>
-      </pc:docMkLst>
-      <pc:sldMasterChg chg="modSldLayout">
-        <pc:chgData name="Laura Birks" userId="1d9e98d4-a67b-4d2d-a30a-cea635c3d15f" providerId="ADAL" clId="{6D8EB72A-41EB-4283-8547-C8B14FC1AF8C}" dt="2023-11-03T10:29:13.833" v="24" actId="14100"/>
-        <pc:sldMasterMkLst>
-          <pc:docMk/>
-          <pc:sldMasterMk cId="2002203946" sldId="2147483666"/>
-        </pc:sldMasterMkLst>
-        <pc:sldLayoutChg chg="addSp delSp modSp mod">
-          <pc:chgData name="Laura Birks" userId="1d9e98d4-a67b-4d2d-a30a-cea635c3d15f" providerId="ADAL" clId="{6D8EB72A-41EB-4283-8547-C8B14FC1AF8C}" dt="2023-10-25T14:03:31.473" v="15" actId="478"/>
-          <pc:sldLayoutMkLst>
-            <pc:docMk/>
-            <pc:sldMasterMk cId="2002203946" sldId="2147483666"/>
-            <pc:sldLayoutMk cId="410416902" sldId="2147483713"/>
-          </pc:sldLayoutMkLst>
-          <pc:spChg chg="del">
-            <ac:chgData name="Laura Birks" userId="1d9e98d4-a67b-4d2d-a30a-cea635c3d15f" providerId="ADAL" clId="{6D8EB72A-41EB-4283-8547-C8B14FC1AF8C}" dt="2023-10-25T14:03:31.473" v="15" actId="478"/>
-            <ac:spMkLst>
-              <pc:docMk/>
-              <pc:sldMasterMk cId="2002203946" sldId="2147483666"/>
-              <pc:sldLayoutMk cId="410416902" sldId="2147483713"/>
-              <ac:spMk id="5" creationId="{27C9A4BA-CD7C-BF8C-6221-BCB58BC96EC4}"/>
-            </ac:spMkLst>
-          </pc:spChg>
-          <pc:picChg chg="add del mod ord">
-            <ac:chgData name="Laura Birks" userId="1d9e98d4-a67b-4d2d-a30a-cea635c3d15f" providerId="ADAL" clId="{6D8EB72A-41EB-4283-8547-C8B14FC1AF8C}" dt="2023-10-25T14:03:29.919" v="14" actId="167"/>
-            <ac:picMkLst>
-              <pc:docMk/>
-              <pc:sldMasterMk cId="2002203946" sldId="2147483666"/>
-              <pc:sldLayoutMk cId="410416902" sldId="2147483713"/>
-              <ac:picMk id="9" creationId="{2D07C2D6-AB1B-B84B-BC13-7D79E8BCFCF8}"/>
-            </ac:picMkLst>
-          </pc:picChg>
-        </pc:sldLayoutChg>
-        <pc:sldLayoutChg chg="delSp mod">
-          <pc:chgData name="Laura Birks" userId="1d9e98d4-a67b-4d2d-a30a-cea635c3d15f" providerId="ADAL" clId="{6D8EB72A-41EB-4283-8547-C8B14FC1AF8C}" dt="2023-10-25T14:03:20.079" v="9" actId="478"/>
-          <pc:sldLayoutMkLst>
-            <pc:docMk/>
-            <pc:sldMasterMk cId="2002203946" sldId="2147483666"/>
-            <pc:sldLayoutMk cId="1302569558" sldId="2147483716"/>
-          </pc:sldLayoutMkLst>
-          <pc:spChg chg="del">
-            <ac:chgData name="Laura Birks" userId="1d9e98d4-a67b-4d2d-a30a-cea635c3d15f" providerId="ADAL" clId="{6D8EB72A-41EB-4283-8547-C8B14FC1AF8C}" dt="2023-10-25T14:03:20.079" v="9" actId="478"/>
-            <ac:spMkLst>
-              <pc:docMk/>
-              <pc:sldMasterMk cId="2002203946" sldId="2147483666"/>
-              <pc:sldLayoutMk cId="1302569558" sldId="2147483716"/>
-              <ac:spMk id="14" creationId="{EA60DD58-05DE-E835-E697-CB9A9B0B94EE}"/>
-            </ac:spMkLst>
-          </pc:spChg>
-        </pc:sldLayoutChg>
-        <pc:sldLayoutChg chg="delSp modSp mod">
-          <pc:chgData name="Laura Birks" userId="1d9e98d4-a67b-4d2d-a30a-cea635c3d15f" providerId="ADAL" clId="{6D8EB72A-41EB-4283-8547-C8B14FC1AF8C}" dt="2023-11-03T10:29:13.833" v="24" actId="14100"/>
-          <pc:sldLayoutMkLst>
-            <pc:docMk/>
-            <pc:sldMasterMk cId="2002203946" sldId="2147483666"/>
-            <pc:sldLayoutMk cId="1392364112" sldId="2147483717"/>
-          </pc:sldLayoutMkLst>
-          <pc:spChg chg="mod">
-            <ac:chgData name="Laura Birks" userId="1d9e98d4-a67b-4d2d-a30a-cea635c3d15f" providerId="ADAL" clId="{6D8EB72A-41EB-4283-8547-C8B14FC1AF8C}" dt="2023-10-25T14:03:42.431" v="17" actId="1076"/>
-            <ac:spMkLst>
-              <pc:docMk/>
-              <pc:sldMasterMk cId="2002203946" sldId="2147483666"/>
-              <pc:sldLayoutMk cId="1392364112" sldId="2147483717"/>
-              <ac:spMk id="6" creationId="{9374D22D-B944-92EA-52A1-50D6FD937F25}"/>
-            </ac:spMkLst>
-          </pc:spChg>
-          <pc:spChg chg="mod">
-            <ac:chgData name="Laura Birks" userId="1d9e98d4-a67b-4d2d-a30a-cea635c3d15f" providerId="ADAL" clId="{6D8EB72A-41EB-4283-8547-C8B14FC1AF8C}" dt="2023-10-25T14:03:52.880" v="21" actId="403"/>
-            <ac:spMkLst>
-              <pc:docMk/>
-              <pc:sldMasterMk cId="2002203946" sldId="2147483666"/>
-              <pc:sldLayoutMk cId="1392364112" sldId="2147483717"/>
-              <ac:spMk id="7" creationId="{47E4AB90-2CB6-0646-B56C-4B58E33EC909}"/>
-            </ac:spMkLst>
-          </pc:spChg>
-          <pc:spChg chg="mod">
-            <ac:chgData name="Laura Birks" userId="1d9e98d4-a67b-4d2d-a30a-cea635c3d15f" providerId="ADAL" clId="{6D8EB72A-41EB-4283-8547-C8B14FC1AF8C}" dt="2023-10-25T14:04:05.534" v="23" actId="14100"/>
-            <ac:spMkLst>
-              <pc:docMk/>
-              <pc:sldMasterMk cId="2002203946" sldId="2147483666"/>
-              <pc:sldLayoutMk cId="1392364112" sldId="2147483717"/>
-              <ac:spMk id="13" creationId="{14817992-0A9D-E7F5-4CBC-352D5F4839CE}"/>
-            </ac:spMkLst>
-          </pc:spChg>
-          <pc:spChg chg="del mod">
-            <ac:chgData name="Laura Birks" userId="1d9e98d4-a67b-4d2d-a30a-cea635c3d15f" providerId="ADAL" clId="{6D8EB72A-41EB-4283-8547-C8B14FC1AF8C}" dt="2023-10-25T14:03:07.700" v="6" actId="478"/>
-            <ac:spMkLst>
-              <pc:docMk/>
-              <pc:sldMasterMk cId="2002203946" sldId="2147483666"/>
-              <pc:sldLayoutMk cId="1392364112" sldId="2147483717"/>
-              <ac:spMk id="14" creationId="{EA60DD58-05DE-E835-E697-CB9A9B0B94EE}"/>
-            </ac:spMkLst>
-          </pc:spChg>
-          <pc:spChg chg="mod">
-            <ac:chgData name="Laura Birks" userId="1d9e98d4-a67b-4d2d-a30a-cea635c3d15f" providerId="ADAL" clId="{6D8EB72A-41EB-4283-8547-C8B14FC1AF8C}" dt="2023-11-03T10:29:13.833" v="24" actId="14100"/>
-            <ac:spMkLst>
-              <pc:docMk/>
-              <pc:sldMasterMk cId="2002203946" sldId="2147483666"/>
-              <pc:sldLayoutMk cId="1392364112" sldId="2147483717"/>
-              <ac:spMk id="15" creationId="{73B24655-9588-E787-79C1-86112762F024}"/>
-            </ac:spMkLst>
-          </pc:spChg>
         </pc:sldLayoutChg>
       </pc:sldMasterChg>
     </pc:docChg>
@@ -1960,6 +1960,36 @@
           </a:p>
         </p:txBody>
       </p:sp>
+      <p:sp>
+        <p:nvSpPr>
+          <p:cNvPr id="4" name="Plot">
+            <a:extLst>
+              <a:ext uri="{FF2B5EF4-FFF2-40B4-BE49-F238E27FC236}">
+                <a16:creationId xmlns:a16="http://schemas.microsoft.com/office/drawing/2014/main" id="{85ACB78A-44DC-9B43-3457-6105F1B1EDFD}"/>
+              </a:ext>
+            </a:extLst>
+          </p:cNvPr>
+          <p:cNvSpPr>
+            <a:spLocks noGrp="1"/>
+          </p:cNvSpPr>
+          <p:nvPr>
+            <p:ph type="pic" sz="quarter" idx="15"/>
+          </p:nvPr>
+        </p:nvSpPr>
+        <p:spPr>
+          <a:xfrm>
+            <a:off x="5987213" y="1917290"/>
+            <a:ext cx="5764212" cy="4000703"/>
+          </a:xfrm>
+        </p:spPr>
+        <p:txBody>
+          <a:bodyPr/>
+          <a:lstStyle/>
+          <a:p>
+            <a:endParaRPr lang="en-GB"/>
+          </a:p>
+        </p:txBody>
+      </p:sp>
     </p:spTree>
     <p:extLst>
       <p:ext uri="{BB962C8B-B14F-4D97-AF65-F5344CB8AC3E}">
@@ -2453,36 +2483,6 @@
           </a:p>
         </p:txBody>
       </p:sp>
-      <p:pic>
-        <p:nvPicPr>
-          <p:cNvPr id="17" name="Picture 16">
-            <a:extLst>
-              <a:ext uri="{FF2B5EF4-FFF2-40B4-BE49-F238E27FC236}">
-                <a16:creationId xmlns:a16="http://schemas.microsoft.com/office/drawing/2014/main" id="{0105B1E9-96EC-C15A-FB36-E7782C4E8FF3}"/>
-              </a:ext>
-            </a:extLst>
-          </p:cNvPr>
-          <p:cNvPicPr>
-            <a:picLocks noChangeAspect="1"/>
-          </p:cNvPicPr>
-          <p:nvPr userDrawn="1"/>
-        </p:nvPicPr>
-        <p:blipFill>
-          <a:blip r:embed="rId3"/>
-          <a:stretch>
-            <a:fillRect/>
-          </a:stretch>
-        </p:blipFill>
-        <p:spPr>
-          <a:xfrm>
-            <a:off x="2513223" y="1041568"/>
-            <a:ext cx="9486900" cy="219075"/>
-          </a:xfrm>
-          <a:prstGeom prst="rect">
-            <a:avLst/>
-          </a:prstGeom>
-        </p:spPr>
-      </p:pic>
       <p:sp>
         <p:nvSpPr>
           <p:cNvPr id="3" name="Rectangle 2">
@@ -3378,7 +3378,7 @@
           <a:p>
             <a:fld id="{E5DE0DA5-B22D-460C-B908-E6438FE4880A}" type="datetimeFigureOut">
               <a:rPr lang="en-GB" smtClean="0"/>
-              <a:t>03/11/2023</a:t>
+              <a:t>15/01/2024</a:t>
             </a:fld>
             <a:endParaRPr lang="en-GB"/>
           </a:p>

--- a/output/pp_master.pptx
+++ b/output/pp_master.pptx
@@ -112,125 +112,13 @@
 <file path=ppt/revisionInfo.xml><?xml version="1.0" encoding="utf-8"?>
 <p1510:revInfo xmlns:a="http://schemas.openxmlformats.org/drawingml/2006/main" xmlns:r="http://schemas.openxmlformats.org/officeDocument/2006/relationships" xmlns:p1510="http://schemas.microsoft.com/office/powerpoint/2015/10/main">
   <p1510:revLst>
-    <p1510:client id="{6D8EB72A-41EB-4283-8547-C8B14FC1AF8C}" v="4" dt="2023-10-25T14:04:00.521"/>
+    <p1510:client id="{A1D47A63-17A7-492B-AF30-FE1D088DC299}" v="2" dt="2024-01-31T10:46:15.387"/>
   </p1510:revLst>
 </p1510:revInfo>
 </file>
 
 <file path=ppt/changesInfos/changesInfo1.xml><?xml version="1.0" encoding="utf-8"?>
 <pc:chgInfo xmlns:a="http://schemas.openxmlformats.org/drawingml/2006/main" xmlns:r="http://schemas.openxmlformats.org/officeDocument/2006/relationships" xmlns:ac="http://schemas.microsoft.com/office/drawing/2013/main/command" xmlns:pc="http://schemas.microsoft.com/office/powerpoint/2013/main/command">
-  <pc:docChgLst>
-    <pc:chgData name="Laura Birks" userId="1d9e98d4-a67b-4d2d-a30a-cea635c3d15f" providerId="ADAL" clId="{6D8EB72A-41EB-4283-8547-C8B14FC1AF8C}"/>
-    <pc:docChg chg="undo custSel modMainMaster">
-      <pc:chgData name="Laura Birks" userId="1d9e98d4-a67b-4d2d-a30a-cea635c3d15f" providerId="ADAL" clId="{6D8EB72A-41EB-4283-8547-C8B14FC1AF8C}" dt="2023-11-03T10:29:13.833" v="24" actId="14100"/>
-      <pc:docMkLst>
-        <pc:docMk/>
-      </pc:docMkLst>
-      <pc:sldMasterChg chg="modSldLayout">
-        <pc:chgData name="Laura Birks" userId="1d9e98d4-a67b-4d2d-a30a-cea635c3d15f" providerId="ADAL" clId="{6D8EB72A-41EB-4283-8547-C8B14FC1AF8C}" dt="2023-11-03T10:29:13.833" v="24" actId="14100"/>
-        <pc:sldMasterMkLst>
-          <pc:docMk/>
-          <pc:sldMasterMk cId="2002203946" sldId="2147483666"/>
-        </pc:sldMasterMkLst>
-        <pc:sldLayoutChg chg="addSp delSp modSp mod">
-          <pc:chgData name="Laura Birks" userId="1d9e98d4-a67b-4d2d-a30a-cea635c3d15f" providerId="ADAL" clId="{6D8EB72A-41EB-4283-8547-C8B14FC1AF8C}" dt="2023-10-25T14:03:31.473" v="15" actId="478"/>
-          <pc:sldLayoutMkLst>
-            <pc:docMk/>
-            <pc:sldMasterMk cId="2002203946" sldId="2147483666"/>
-            <pc:sldLayoutMk cId="410416902" sldId="2147483713"/>
-          </pc:sldLayoutMkLst>
-          <pc:spChg chg="del">
-            <ac:chgData name="Laura Birks" userId="1d9e98d4-a67b-4d2d-a30a-cea635c3d15f" providerId="ADAL" clId="{6D8EB72A-41EB-4283-8547-C8B14FC1AF8C}" dt="2023-10-25T14:03:31.473" v="15" actId="478"/>
-            <ac:spMkLst>
-              <pc:docMk/>
-              <pc:sldMasterMk cId="2002203946" sldId="2147483666"/>
-              <pc:sldLayoutMk cId="410416902" sldId="2147483713"/>
-              <ac:spMk id="5" creationId="{27C9A4BA-CD7C-BF8C-6221-BCB58BC96EC4}"/>
-            </ac:spMkLst>
-          </pc:spChg>
-          <pc:picChg chg="add del mod ord">
-            <ac:chgData name="Laura Birks" userId="1d9e98d4-a67b-4d2d-a30a-cea635c3d15f" providerId="ADAL" clId="{6D8EB72A-41EB-4283-8547-C8B14FC1AF8C}" dt="2023-10-25T14:03:29.919" v="14" actId="167"/>
-            <ac:picMkLst>
-              <pc:docMk/>
-              <pc:sldMasterMk cId="2002203946" sldId="2147483666"/>
-              <pc:sldLayoutMk cId="410416902" sldId="2147483713"/>
-              <ac:picMk id="9" creationId="{2D07C2D6-AB1B-B84B-BC13-7D79E8BCFCF8}"/>
-            </ac:picMkLst>
-          </pc:picChg>
-        </pc:sldLayoutChg>
-        <pc:sldLayoutChg chg="delSp mod">
-          <pc:chgData name="Laura Birks" userId="1d9e98d4-a67b-4d2d-a30a-cea635c3d15f" providerId="ADAL" clId="{6D8EB72A-41EB-4283-8547-C8B14FC1AF8C}" dt="2023-10-25T14:03:20.079" v="9" actId="478"/>
-          <pc:sldLayoutMkLst>
-            <pc:docMk/>
-            <pc:sldMasterMk cId="2002203946" sldId="2147483666"/>
-            <pc:sldLayoutMk cId="1302569558" sldId="2147483716"/>
-          </pc:sldLayoutMkLst>
-          <pc:spChg chg="del">
-            <ac:chgData name="Laura Birks" userId="1d9e98d4-a67b-4d2d-a30a-cea635c3d15f" providerId="ADAL" clId="{6D8EB72A-41EB-4283-8547-C8B14FC1AF8C}" dt="2023-10-25T14:03:20.079" v="9" actId="478"/>
-            <ac:spMkLst>
-              <pc:docMk/>
-              <pc:sldMasterMk cId="2002203946" sldId="2147483666"/>
-              <pc:sldLayoutMk cId="1302569558" sldId="2147483716"/>
-              <ac:spMk id="14" creationId="{EA60DD58-05DE-E835-E697-CB9A9B0B94EE}"/>
-            </ac:spMkLst>
-          </pc:spChg>
-        </pc:sldLayoutChg>
-        <pc:sldLayoutChg chg="delSp modSp mod">
-          <pc:chgData name="Laura Birks" userId="1d9e98d4-a67b-4d2d-a30a-cea635c3d15f" providerId="ADAL" clId="{6D8EB72A-41EB-4283-8547-C8B14FC1AF8C}" dt="2023-11-03T10:29:13.833" v="24" actId="14100"/>
-          <pc:sldLayoutMkLst>
-            <pc:docMk/>
-            <pc:sldMasterMk cId="2002203946" sldId="2147483666"/>
-            <pc:sldLayoutMk cId="1392364112" sldId="2147483717"/>
-          </pc:sldLayoutMkLst>
-          <pc:spChg chg="mod">
-            <ac:chgData name="Laura Birks" userId="1d9e98d4-a67b-4d2d-a30a-cea635c3d15f" providerId="ADAL" clId="{6D8EB72A-41EB-4283-8547-C8B14FC1AF8C}" dt="2023-10-25T14:03:42.431" v="17" actId="1076"/>
-            <ac:spMkLst>
-              <pc:docMk/>
-              <pc:sldMasterMk cId="2002203946" sldId="2147483666"/>
-              <pc:sldLayoutMk cId="1392364112" sldId="2147483717"/>
-              <ac:spMk id="6" creationId="{9374D22D-B944-92EA-52A1-50D6FD937F25}"/>
-            </ac:spMkLst>
-          </pc:spChg>
-          <pc:spChg chg="mod">
-            <ac:chgData name="Laura Birks" userId="1d9e98d4-a67b-4d2d-a30a-cea635c3d15f" providerId="ADAL" clId="{6D8EB72A-41EB-4283-8547-C8B14FC1AF8C}" dt="2023-10-25T14:03:52.880" v="21" actId="403"/>
-            <ac:spMkLst>
-              <pc:docMk/>
-              <pc:sldMasterMk cId="2002203946" sldId="2147483666"/>
-              <pc:sldLayoutMk cId="1392364112" sldId="2147483717"/>
-              <ac:spMk id="7" creationId="{47E4AB90-2CB6-0646-B56C-4B58E33EC909}"/>
-            </ac:spMkLst>
-          </pc:spChg>
-          <pc:spChg chg="mod">
-            <ac:chgData name="Laura Birks" userId="1d9e98d4-a67b-4d2d-a30a-cea635c3d15f" providerId="ADAL" clId="{6D8EB72A-41EB-4283-8547-C8B14FC1AF8C}" dt="2023-10-25T14:04:05.534" v="23" actId="14100"/>
-            <ac:spMkLst>
-              <pc:docMk/>
-              <pc:sldMasterMk cId="2002203946" sldId="2147483666"/>
-              <pc:sldLayoutMk cId="1392364112" sldId="2147483717"/>
-              <ac:spMk id="13" creationId="{14817992-0A9D-E7F5-4CBC-352D5F4839CE}"/>
-            </ac:spMkLst>
-          </pc:spChg>
-          <pc:spChg chg="del mod">
-            <ac:chgData name="Laura Birks" userId="1d9e98d4-a67b-4d2d-a30a-cea635c3d15f" providerId="ADAL" clId="{6D8EB72A-41EB-4283-8547-C8B14FC1AF8C}" dt="2023-10-25T14:03:07.700" v="6" actId="478"/>
-            <ac:spMkLst>
-              <pc:docMk/>
-              <pc:sldMasterMk cId="2002203946" sldId="2147483666"/>
-              <pc:sldLayoutMk cId="1392364112" sldId="2147483717"/>
-              <ac:spMk id="14" creationId="{EA60DD58-05DE-E835-E697-CB9A9B0B94EE}"/>
-            </ac:spMkLst>
-          </pc:spChg>
-          <pc:spChg chg="mod">
-            <ac:chgData name="Laura Birks" userId="1d9e98d4-a67b-4d2d-a30a-cea635c3d15f" providerId="ADAL" clId="{6D8EB72A-41EB-4283-8547-C8B14FC1AF8C}" dt="2023-11-03T10:29:13.833" v="24" actId="14100"/>
-            <ac:spMkLst>
-              <pc:docMk/>
-              <pc:sldMasterMk cId="2002203946" sldId="2147483666"/>
-              <pc:sldLayoutMk cId="1392364112" sldId="2147483717"/>
-              <ac:spMk id="15" creationId="{73B24655-9588-E787-79C1-86112762F024}"/>
-            </ac:spMkLst>
-          </pc:spChg>
-        </pc:sldLayoutChg>
-      </pc:sldMasterChg>
-    </pc:docChg>
-  </pc:docChgLst>
   <pc:docChgLst>
     <pc:chgData name="Tom Hook" userId="a1f5c8d4-6fc0-4d94-8d42-ac8886a43439" providerId="ADAL" clId="{E50DE31C-B2F9-408A-8920-0DC42F4D588F}"/>
     <pc:docChg chg="undo redo custSel addSld delSld delMainMaster modMainMaster">
@@ -1254,6 +1142,176 @@
               <ac:cxnSpMk id="12" creationId="{18E2133D-2149-6B45-BEAB-A2D5E225B5AD}"/>
             </ac:cxnSpMkLst>
           </pc:cxnChg>
+        </pc:sldLayoutChg>
+      </pc:sldMasterChg>
+    </pc:docChg>
+  </pc:docChgLst>
+  <pc:docChgLst>
+    <pc:chgData name="Laura Birks" userId="1d9e98d4-a67b-4d2d-a30a-cea635c3d15f" providerId="ADAL" clId="{A1D47A63-17A7-492B-AF30-FE1D088DC299}"/>
+    <pc:docChg chg="modMainMaster">
+      <pc:chgData name="Laura Birks" userId="1d9e98d4-a67b-4d2d-a30a-cea635c3d15f" providerId="ADAL" clId="{A1D47A63-17A7-492B-AF30-FE1D088DC299}" dt="2024-01-31T10:50:32.908" v="12" actId="2696"/>
+      <pc:docMkLst>
+        <pc:docMk/>
+      </pc:docMkLst>
+      <pc:sldMasterChg chg="delSldLayout modSldLayout">
+        <pc:chgData name="Laura Birks" userId="1d9e98d4-a67b-4d2d-a30a-cea635c3d15f" providerId="ADAL" clId="{A1D47A63-17A7-492B-AF30-FE1D088DC299}" dt="2024-01-31T10:50:32.908" v="12" actId="2696"/>
+        <pc:sldMasterMkLst>
+          <pc:docMk/>
+          <pc:sldMasterMk cId="2002203946" sldId="2147483666"/>
+        </pc:sldMasterMkLst>
+        <pc:sldLayoutChg chg="del">
+          <pc:chgData name="Laura Birks" userId="1d9e98d4-a67b-4d2d-a30a-cea635c3d15f" providerId="ADAL" clId="{A1D47A63-17A7-492B-AF30-FE1D088DC299}" dt="2024-01-31T10:45:17.905" v="0" actId="2696"/>
+          <pc:sldLayoutMkLst>
+            <pc:docMk/>
+            <pc:sldMasterMk cId="2002203946" sldId="2147483666"/>
+            <pc:sldLayoutMk cId="410416902" sldId="2147483713"/>
+          </pc:sldLayoutMkLst>
+        </pc:sldLayoutChg>
+        <pc:sldLayoutChg chg="del">
+          <pc:chgData name="Laura Birks" userId="1d9e98d4-a67b-4d2d-a30a-cea635c3d15f" providerId="ADAL" clId="{A1D47A63-17A7-492B-AF30-FE1D088DC299}" dt="2024-01-31T10:45:18.888" v="1" actId="2696"/>
+          <pc:sldLayoutMkLst>
+            <pc:docMk/>
+            <pc:sldMasterMk cId="2002203946" sldId="2147483666"/>
+            <pc:sldLayoutMk cId="1302569558" sldId="2147483716"/>
+          </pc:sldLayoutMkLst>
+        </pc:sldLayoutChg>
+        <pc:sldLayoutChg chg="modSp del mod">
+          <pc:chgData name="Laura Birks" userId="1d9e98d4-a67b-4d2d-a30a-cea635c3d15f" providerId="ADAL" clId="{A1D47A63-17A7-492B-AF30-FE1D088DC299}" dt="2024-01-31T10:50:32.908" v="12" actId="2696"/>
+          <pc:sldLayoutMkLst>
+            <pc:docMk/>
+            <pc:sldMasterMk cId="2002203946" sldId="2147483666"/>
+            <pc:sldLayoutMk cId="2492960056" sldId="2147483718"/>
+          </pc:sldLayoutMkLst>
+          <pc:spChg chg="mod">
+            <ac:chgData name="Laura Birks" userId="1d9e98d4-a67b-4d2d-a30a-cea635c3d15f" providerId="ADAL" clId="{A1D47A63-17A7-492B-AF30-FE1D088DC299}" dt="2024-01-31T10:46:00.323" v="10" actId="207"/>
+            <ac:spMkLst>
+              <pc:docMk/>
+              <pc:sldMasterMk cId="2002203946" sldId="2147483666"/>
+              <pc:sldLayoutMk cId="2492960056" sldId="2147483718"/>
+              <ac:spMk id="13" creationId="{14817992-0A9D-E7F5-4CBC-352D5F4839CE}"/>
+            </ac:spMkLst>
+          </pc:spChg>
+          <pc:spChg chg="mod">
+            <ac:chgData name="Laura Birks" userId="1d9e98d4-a67b-4d2d-a30a-cea635c3d15f" providerId="ADAL" clId="{A1D47A63-17A7-492B-AF30-FE1D088DC299}" dt="2024-01-31T10:46:15.387" v="11" actId="962"/>
+            <ac:spMkLst>
+              <pc:docMk/>
+              <pc:sldMasterMk cId="2002203946" sldId="2147483666"/>
+              <pc:sldLayoutMk cId="2492960056" sldId="2147483718"/>
+              <ac:spMk id="15" creationId="{73B24655-9588-E787-79C1-86112762F024}"/>
+            </ac:spMkLst>
+          </pc:spChg>
+        </pc:sldLayoutChg>
+      </pc:sldMasterChg>
+    </pc:docChg>
+  </pc:docChgLst>
+  <pc:docChgLst>
+    <pc:chgData name="Laura Birks" userId="1d9e98d4-a67b-4d2d-a30a-cea635c3d15f" providerId="ADAL" clId="{6D8EB72A-41EB-4283-8547-C8B14FC1AF8C}"/>
+    <pc:docChg chg="undo custSel modMainMaster">
+      <pc:chgData name="Laura Birks" userId="1d9e98d4-a67b-4d2d-a30a-cea635c3d15f" providerId="ADAL" clId="{6D8EB72A-41EB-4283-8547-C8B14FC1AF8C}" dt="2023-11-03T10:29:13.833" v="24" actId="14100"/>
+      <pc:docMkLst>
+        <pc:docMk/>
+      </pc:docMkLst>
+      <pc:sldMasterChg chg="modSldLayout">
+        <pc:chgData name="Laura Birks" userId="1d9e98d4-a67b-4d2d-a30a-cea635c3d15f" providerId="ADAL" clId="{6D8EB72A-41EB-4283-8547-C8B14FC1AF8C}" dt="2023-11-03T10:29:13.833" v="24" actId="14100"/>
+        <pc:sldMasterMkLst>
+          <pc:docMk/>
+          <pc:sldMasterMk cId="2002203946" sldId="2147483666"/>
+        </pc:sldMasterMkLst>
+        <pc:sldLayoutChg chg="addSp delSp modSp mod">
+          <pc:chgData name="Laura Birks" userId="1d9e98d4-a67b-4d2d-a30a-cea635c3d15f" providerId="ADAL" clId="{6D8EB72A-41EB-4283-8547-C8B14FC1AF8C}" dt="2023-10-25T14:03:31.473" v="15" actId="478"/>
+          <pc:sldLayoutMkLst>
+            <pc:docMk/>
+            <pc:sldMasterMk cId="2002203946" sldId="2147483666"/>
+            <pc:sldLayoutMk cId="410416902" sldId="2147483713"/>
+          </pc:sldLayoutMkLst>
+          <pc:spChg chg="del">
+            <ac:chgData name="Laura Birks" userId="1d9e98d4-a67b-4d2d-a30a-cea635c3d15f" providerId="ADAL" clId="{6D8EB72A-41EB-4283-8547-C8B14FC1AF8C}" dt="2023-10-25T14:03:31.473" v="15" actId="478"/>
+            <ac:spMkLst>
+              <pc:docMk/>
+              <pc:sldMasterMk cId="2002203946" sldId="2147483666"/>
+              <pc:sldLayoutMk cId="410416902" sldId="2147483713"/>
+              <ac:spMk id="5" creationId="{27C9A4BA-CD7C-BF8C-6221-BCB58BC96EC4}"/>
+            </ac:spMkLst>
+          </pc:spChg>
+          <pc:picChg chg="add del mod ord">
+            <ac:chgData name="Laura Birks" userId="1d9e98d4-a67b-4d2d-a30a-cea635c3d15f" providerId="ADAL" clId="{6D8EB72A-41EB-4283-8547-C8B14FC1AF8C}" dt="2023-10-25T14:03:29.919" v="14" actId="167"/>
+            <ac:picMkLst>
+              <pc:docMk/>
+              <pc:sldMasterMk cId="2002203946" sldId="2147483666"/>
+              <pc:sldLayoutMk cId="410416902" sldId="2147483713"/>
+              <ac:picMk id="9" creationId="{2D07C2D6-AB1B-B84B-BC13-7D79E8BCFCF8}"/>
+            </ac:picMkLst>
+          </pc:picChg>
+        </pc:sldLayoutChg>
+        <pc:sldLayoutChg chg="delSp mod">
+          <pc:chgData name="Laura Birks" userId="1d9e98d4-a67b-4d2d-a30a-cea635c3d15f" providerId="ADAL" clId="{6D8EB72A-41EB-4283-8547-C8B14FC1AF8C}" dt="2023-10-25T14:03:20.079" v="9" actId="478"/>
+          <pc:sldLayoutMkLst>
+            <pc:docMk/>
+            <pc:sldMasterMk cId="2002203946" sldId="2147483666"/>
+            <pc:sldLayoutMk cId="1302569558" sldId="2147483716"/>
+          </pc:sldLayoutMkLst>
+          <pc:spChg chg="del">
+            <ac:chgData name="Laura Birks" userId="1d9e98d4-a67b-4d2d-a30a-cea635c3d15f" providerId="ADAL" clId="{6D8EB72A-41EB-4283-8547-C8B14FC1AF8C}" dt="2023-10-25T14:03:20.079" v="9" actId="478"/>
+            <ac:spMkLst>
+              <pc:docMk/>
+              <pc:sldMasterMk cId="2002203946" sldId="2147483666"/>
+              <pc:sldLayoutMk cId="1302569558" sldId="2147483716"/>
+              <ac:spMk id="14" creationId="{EA60DD58-05DE-E835-E697-CB9A9B0B94EE}"/>
+            </ac:spMkLst>
+          </pc:spChg>
+        </pc:sldLayoutChg>
+        <pc:sldLayoutChg chg="delSp modSp mod">
+          <pc:chgData name="Laura Birks" userId="1d9e98d4-a67b-4d2d-a30a-cea635c3d15f" providerId="ADAL" clId="{6D8EB72A-41EB-4283-8547-C8B14FC1AF8C}" dt="2023-11-03T10:29:13.833" v="24" actId="14100"/>
+          <pc:sldLayoutMkLst>
+            <pc:docMk/>
+            <pc:sldMasterMk cId="2002203946" sldId="2147483666"/>
+            <pc:sldLayoutMk cId="1392364112" sldId="2147483717"/>
+          </pc:sldLayoutMkLst>
+          <pc:spChg chg="mod">
+            <ac:chgData name="Laura Birks" userId="1d9e98d4-a67b-4d2d-a30a-cea635c3d15f" providerId="ADAL" clId="{6D8EB72A-41EB-4283-8547-C8B14FC1AF8C}" dt="2023-10-25T14:03:42.431" v="17" actId="1076"/>
+            <ac:spMkLst>
+              <pc:docMk/>
+              <pc:sldMasterMk cId="2002203946" sldId="2147483666"/>
+              <pc:sldLayoutMk cId="1392364112" sldId="2147483717"/>
+              <ac:spMk id="6" creationId="{9374D22D-B944-92EA-52A1-50D6FD937F25}"/>
+            </ac:spMkLst>
+          </pc:spChg>
+          <pc:spChg chg="mod">
+            <ac:chgData name="Laura Birks" userId="1d9e98d4-a67b-4d2d-a30a-cea635c3d15f" providerId="ADAL" clId="{6D8EB72A-41EB-4283-8547-C8B14FC1AF8C}" dt="2023-10-25T14:03:52.880" v="21" actId="403"/>
+            <ac:spMkLst>
+              <pc:docMk/>
+              <pc:sldMasterMk cId="2002203946" sldId="2147483666"/>
+              <pc:sldLayoutMk cId="1392364112" sldId="2147483717"/>
+              <ac:spMk id="7" creationId="{47E4AB90-2CB6-0646-B56C-4B58E33EC909}"/>
+            </ac:spMkLst>
+          </pc:spChg>
+          <pc:spChg chg="mod">
+            <ac:chgData name="Laura Birks" userId="1d9e98d4-a67b-4d2d-a30a-cea635c3d15f" providerId="ADAL" clId="{6D8EB72A-41EB-4283-8547-C8B14FC1AF8C}" dt="2023-10-25T14:04:05.534" v="23" actId="14100"/>
+            <ac:spMkLst>
+              <pc:docMk/>
+              <pc:sldMasterMk cId="2002203946" sldId="2147483666"/>
+              <pc:sldLayoutMk cId="1392364112" sldId="2147483717"/>
+              <ac:spMk id="13" creationId="{14817992-0A9D-E7F5-4CBC-352D5F4839CE}"/>
+            </ac:spMkLst>
+          </pc:spChg>
+          <pc:spChg chg="del mod">
+            <ac:chgData name="Laura Birks" userId="1d9e98d4-a67b-4d2d-a30a-cea635c3d15f" providerId="ADAL" clId="{6D8EB72A-41EB-4283-8547-C8B14FC1AF8C}" dt="2023-10-25T14:03:07.700" v="6" actId="478"/>
+            <ac:spMkLst>
+              <pc:docMk/>
+              <pc:sldMasterMk cId="2002203946" sldId="2147483666"/>
+              <pc:sldLayoutMk cId="1392364112" sldId="2147483717"/>
+              <ac:spMk id="14" creationId="{EA60DD58-05DE-E835-E697-CB9A9B0B94EE}"/>
+            </ac:spMkLst>
+          </pc:spChg>
+          <pc:spChg chg="mod">
+            <ac:chgData name="Laura Birks" userId="1d9e98d4-a67b-4d2d-a30a-cea635c3d15f" providerId="ADAL" clId="{6D8EB72A-41EB-4283-8547-C8B14FC1AF8C}" dt="2023-11-03T10:29:13.833" v="24" actId="14100"/>
+            <ac:spMkLst>
+              <pc:docMk/>
+              <pc:sldMasterMk cId="2002203946" sldId="2147483666"/>
+              <pc:sldLayoutMk cId="1392364112" sldId="2147483717"/>
+              <ac:spMk id="15" creationId="{73B24655-9588-E787-79C1-86112762F024}"/>
+            </ac:spMkLst>
+          </pc:spChg>
         </pc:sldLayoutChg>
       </pc:sldMasterChg>
     </pc:docChg>
@@ -1727,876 +1785,6 @@
 </file>
 
 <file path=ppt/slideLayouts/slideLayout2.xml><?xml version="1.0" encoding="utf-8"?>
-<p:sldLayout xmlns:a="http://schemas.openxmlformats.org/drawingml/2006/main" xmlns:r="http://schemas.openxmlformats.org/officeDocument/2006/relationships" xmlns:p="http://schemas.openxmlformats.org/presentationml/2006/main" preserve="1" userDrawn="1">
-  <p:cSld name="Appendix">
-    <p:spTree>
-      <p:nvGrpSpPr>
-        <p:cNvPr id="1" name=""/>
-        <p:cNvGrpSpPr/>
-        <p:nvPr/>
-      </p:nvGrpSpPr>
-      <p:grpSpPr>
-        <a:xfrm>
-          <a:off x="0" y="0"/>
-          <a:ext cx="0" cy="0"/>
-          <a:chOff x="0" y="0"/>
-          <a:chExt cx="0" cy="0"/>
-        </a:xfrm>
-      </p:grpSpPr>
-      <p:pic>
-        <p:nvPicPr>
-          <p:cNvPr id="9" name="Picture 8" descr="A picture containing icon&#10;&#10;Description automatically generated">
-            <a:extLst>
-              <a:ext uri="{FF2B5EF4-FFF2-40B4-BE49-F238E27FC236}">
-                <a16:creationId xmlns:a16="http://schemas.microsoft.com/office/drawing/2014/main" id="{2D07C2D6-AB1B-B84B-BC13-7D79E8BCFCF8}"/>
-              </a:ext>
-            </a:extLst>
-          </p:cNvPr>
-          <p:cNvPicPr>
-            <a:picLocks noChangeAspect="1"/>
-          </p:cNvPicPr>
-          <p:nvPr userDrawn="1"/>
-        </p:nvPicPr>
-        <p:blipFill>
-          <a:blip r:embed="rId2"/>
-          <a:stretch>
-            <a:fillRect/>
-          </a:stretch>
-        </p:blipFill>
-        <p:spPr>
-          <a:xfrm>
-            <a:off x="-52265" y="-122410"/>
-            <a:ext cx="12499929" cy="7031210"/>
-          </a:xfrm>
-          <a:prstGeom prst="rect">
-            <a:avLst/>
-          </a:prstGeom>
-        </p:spPr>
-      </p:pic>
-      <p:sp>
-        <p:nvSpPr>
-          <p:cNvPr id="7" name="Subtitle">
-            <a:extLst>
-              <a:ext uri="{FF2B5EF4-FFF2-40B4-BE49-F238E27FC236}">
-                <a16:creationId xmlns:a16="http://schemas.microsoft.com/office/drawing/2014/main" id="{810A3391-0472-724C-8E32-AA7421F01EEF}"/>
-              </a:ext>
-            </a:extLst>
-          </p:cNvPr>
-          <p:cNvSpPr>
-            <a:spLocks noGrp="1"/>
-          </p:cNvSpPr>
-          <p:nvPr>
-            <p:ph type="body" sz="quarter" idx="13" hasCustomPrompt="1"/>
-          </p:nvPr>
-        </p:nvSpPr>
-        <p:spPr>
-          <a:xfrm>
-            <a:off x="891916" y="2980531"/>
-            <a:ext cx="3890150" cy="896938"/>
-          </a:xfrm>
-          <a:prstGeom prst="rect">
-            <a:avLst/>
-          </a:prstGeom>
-        </p:spPr>
-        <p:txBody>
-          <a:bodyPr lIns="0" tIns="0" rIns="0" bIns="0"/>
-          <a:lstStyle>
-            <a:lvl1pPr marL="0" indent="0">
-              <a:buNone/>
-              <a:defRPr>
-                <a:solidFill>
-                  <a:schemeClr val="tx1"/>
-                </a:solidFill>
-              </a:defRPr>
-            </a:lvl1pPr>
-            <a:lvl2pPr marL="357188" indent="0">
-              <a:buNone/>
-              <a:defRPr/>
-            </a:lvl2pPr>
-            <a:lvl3pPr marL="714375" indent="0">
-              <a:buNone/>
-              <a:defRPr/>
-            </a:lvl3pPr>
-            <a:lvl4pPr marL="1081087" indent="0">
-              <a:buNone/>
-              <a:defRPr/>
-            </a:lvl4pPr>
-            <a:lvl5pPr marL="1438275" indent="0">
-              <a:buNone/>
-              <a:defRPr/>
-            </a:lvl5pPr>
-          </a:lstStyle>
-          <a:p>
-            <a:pPr lvl="0"/>
-            <a:r>
-              <a:rPr lang="en-GB" dirty="0"/>
-              <a:t>Section subhead</a:t>
-            </a:r>
-          </a:p>
-        </p:txBody>
-      </p:sp>
-      <p:sp>
-        <p:nvSpPr>
-          <p:cNvPr id="8" name="Title">
-            <a:extLst>
-              <a:ext uri="{FF2B5EF4-FFF2-40B4-BE49-F238E27FC236}">
-                <a16:creationId xmlns:a16="http://schemas.microsoft.com/office/drawing/2014/main" id="{1686C9C2-DC55-7944-8ED5-BCEF416D53FB}"/>
-              </a:ext>
-            </a:extLst>
-          </p:cNvPr>
-          <p:cNvSpPr>
-            <a:spLocks noGrp="1"/>
-          </p:cNvSpPr>
-          <p:nvPr>
-            <p:ph type="body" sz="quarter" idx="14" hasCustomPrompt="1"/>
-          </p:nvPr>
-        </p:nvSpPr>
-        <p:spPr>
-          <a:xfrm>
-            <a:off x="891916" y="1917290"/>
-            <a:ext cx="5685561" cy="896938"/>
-          </a:xfrm>
-          <a:prstGeom prst="rect">
-            <a:avLst/>
-          </a:prstGeom>
-        </p:spPr>
-        <p:txBody>
-          <a:bodyPr lIns="0" tIns="0" rIns="0" bIns="0">
-            <a:noAutofit/>
-          </a:bodyPr>
-          <a:lstStyle>
-            <a:lvl1pPr marL="0" indent="0">
-              <a:buNone/>
-              <a:defRPr sz="4800" b="1">
-                <a:solidFill>
-                  <a:schemeClr val="tx1"/>
-                </a:solidFill>
-              </a:defRPr>
-            </a:lvl1pPr>
-            <a:lvl2pPr marL="357188" indent="0">
-              <a:buNone/>
-              <a:defRPr>
-                <a:solidFill>
-                  <a:schemeClr val="tx1"/>
-                </a:solidFill>
-              </a:defRPr>
-            </a:lvl2pPr>
-            <a:lvl3pPr marL="714375" indent="0">
-              <a:buNone/>
-              <a:defRPr>
-                <a:solidFill>
-                  <a:schemeClr val="tx1"/>
-                </a:solidFill>
-              </a:defRPr>
-            </a:lvl3pPr>
-            <a:lvl4pPr marL="1081087" indent="0">
-              <a:buNone/>
-              <a:defRPr>
-                <a:solidFill>
-                  <a:schemeClr val="tx1"/>
-                </a:solidFill>
-              </a:defRPr>
-            </a:lvl4pPr>
-            <a:lvl5pPr marL="1438275" indent="0">
-              <a:buNone/>
-              <a:defRPr>
-                <a:solidFill>
-                  <a:schemeClr val="tx1"/>
-                </a:solidFill>
-              </a:defRPr>
-            </a:lvl5pPr>
-          </a:lstStyle>
-          <a:p>
-            <a:pPr lvl="0"/>
-            <a:r>
-              <a:rPr lang="en-GB" dirty="0"/>
-              <a:t>Breaker heading</a:t>
-            </a:r>
-          </a:p>
-        </p:txBody>
-      </p:sp>
-      <p:sp>
-        <p:nvSpPr>
-          <p:cNvPr id="2" name="Rectangle 1">
-            <a:extLst>
-              <a:ext uri="{FF2B5EF4-FFF2-40B4-BE49-F238E27FC236}">
-                <a16:creationId xmlns:a16="http://schemas.microsoft.com/office/drawing/2014/main" id="{F87773FB-3D9E-8461-3A3C-FB1B3ABD5DCE}"/>
-              </a:ext>
-            </a:extLst>
-          </p:cNvPr>
-          <p:cNvSpPr/>
-          <p:nvPr userDrawn="1"/>
-        </p:nvSpPr>
-        <p:spPr>
-          <a:xfrm>
-            <a:off x="11444644" y="6477209"/>
-            <a:ext cx="372218" cy="276999"/>
-          </a:xfrm>
-          <a:prstGeom prst="rect">
-            <a:avLst/>
-          </a:prstGeom>
-        </p:spPr>
-        <p:txBody>
-          <a:bodyPr wrap="none">
-            <a:spAutoFit/>
-          </a:bodyPr>
-          <a:lstStyle/>
-          <a:p>
-            <a:pPr algn="r"/>
-            <a:fld id="{BA3B713D-1FBB-0E4F-91D0-D2B735266E79}" type="slidenum">
-              <a:rPr lang="en-GB" sz="1200" smtClean="0">
-                <a:solidFill>
-                  <a:schemeClr val="accent6"/>
-                </a:solidFill>
-              </a:rPr>
-              <a:pPr algn="r"/>
-              <a:t>‹#›</a:t>
-            </a:fld>
-            <a:endParaRPr lang="en-GB" sz="1200" dirty="0">
-              <a:solidFill>
-                <a:schemeClr val="accent6"/>
-              </a:solidFill>
-            </a:endParaRPr>
-          </a:p>
-        </p:txBody>
-      </p:sp>
-      <p:sp>
-        <p:nvSpPr>
-          <p:cNvPr id="4" name="Plot">
-            <a:extLst>
-              <a:ext uri="{FF2B5EF4-FFF2-40B4-BE49-F238E27FC236}">
-                <a16:creationId xmlns:a16="http://schemas.microsoft.com/office/drawing/2014/main" id="{85ACB78A-44DC-9B43-3457-6105F1B1EDFD}"/>
-              </a:ext>
-            </a:extLst>
-          </p:cNvPr>
-          <p:cNvSpPr>
-            <a:spLocks noGrp="1"/>
-          </p:cNvSpPr>
-          <p:nvPr>
-            <p:ph type="pic" sz="quarter" idx="15"/>
-          </p:nvPr>
-        </p:nvSpPr>
-        <p:spPr>
-          <a:xfrm>
-            <a:off x="5987213" y="1917290"/>
-            <a:ext cx="5764212" cy="4000703"/>
-          </a:xfrm>
-        </p:spPr>
-        <p:txBody>
-          <a:bodyPr/>
-          <a:lstStyle/>
-          <a:p>
-            <a:endParaRPr lang="en-GB"/>
-          </a:p>
-        </p:txBody>
-      </p:sp>
-    </p:spTree>
-    <p:extLst>
-      <p:ext uri="{BB962C8B-B14F-4D97-AF65-F5344CB8AC3E}">
-        <p14:creationId xmlns:p14="http://schemas.microsoft.com/office/powerpoint/2010/main" val="410416902"/>
-      </p:ext>
-    </p:extLst>
-  </p:cSld>
-  <p:clrMapOvr>
-    <a:masterClrMapping/>
-  </p:clrMapOvr>
-  <mc:AlternateContent xmlns:mc="http://schemas.openxmlformats.org/markup-compatibility/2006" xmlns:p14="http://schemas.microsoft.com/office/powerpoint/2010/main">
-    <mc:Choice Requires="p14">
-      <p:transition spd="med" p14:dur="700">
-        <p:fade/>
-      </p:transition>
-    </mc:Choice>
-    <mc:Fallback xmlns="">
-      <p:transition spd="med">
-        <p:fade/>
-      </p:transition>
-    </mc:Fallback>
-  </mc:AlternateContent>
-</p:sldLayout>
-</file>
-
-<file path=ppt/slideLayouts/slideLayout3.xml><?xml version="1.0" encoding="utf-8"?>
-<p:sldLayout xmlns:a="http://schemas.openxmlformats.org/drawingml/2006/main" xmlns:r="http://schemas.openxmlformats.org/officeDocument/2006/relationships" xmlns:p="http://schemas.openxmlformats.org/presentationml/2006/main" showMasterSp="0" preserve="1" userDrawn="1">
-  <p:cSld name="Table Slide">
-    <p:spTree>
-      <p:nvGrpSpPr>
-        <p:cNvPr id="1" name=""/>
-        <p:cNvGrpSpPr/>
-        <p:nvPr/>
-      </p:nvGrpSpPr>
-      <p:grpSpPr>
-        <a:xfrm>
-          <a:off x="0" y="0"/>
-          <a:ext cx="0" cy="0"/>
-          <a:chOff x="0" y="0"/>
-          <a:chExt cx="0" cy="0"/>
-        </a:xfrm>
-      </p:grpSpPr>
-      <p:sp>
-        <p:nvSpPr>
-          <p:cNvPr id="9" name="TextBox 8">
-            <a:extLst>
-              <a:ext uri="{FF2B5EF4-FFF2-40B4-BE49-F238E27FC236}">
-                <a16:creationId xmlns:a16="http://schemas.microsoft.com/office/drawing/2014/main" id="{990784B1-AA1E-DC4B-BEB4-EC05249AFE00}"/>
-              </a:ext>
-            </a:extLst>
-          </p:cNvPr>
-          <p:cNvSpPr txBox="1"/>
-          <p:nvPr/>
-        </p:nvSpPr>
-        <p:spPr>
-          <a:xfrm>
-            <a:off x="4700954" y="4232031"/>
-            <a:ext cx="0" cy="0"/>
-          </a:xfrm>
-          <a:prstGeom prst="rect">
-            <a:avLst/>
-          </a:prstGeom>
-          <a:noFill/>
-        </p:spPr>
-        <p:txBody>
-          <a:bodyPr wrap="none" lIns="0" tIns="0" rIns="0" bIns="0" rtlCol="0">
-            <a:noAutofit/>
-          </a:bodyPr>
-          <a:lstStyle/>
-          <a:p>
-            <a:endParaRPr lang="en-GB" sz="1200" b="1">
-              <a:solidFill>
-                <a:schemeClr val="accent1"/>
-              </a:solidFill>
-            </a:endParaRPr>
-          </a:p>
-        </p:txBody>
-      </p:sp>
-      <p:sp>
-        <p:nvSpPr>
-          <p:cNvPr id="7" name="Title">
-            <a:extLst>
-              <a:ext uri="{FF2B5EF4-FFF2-40B4-BE49-F238E27FC236}">
-                <a16:creationId xmlns:a16="http://schemas.microsoft.com/office/drawing/2014/main" id="{47E4AB90-2CB6-0646-B56C-4B58E33EC909}"/>
-              </a:ext>
-            </a:extLst>
-          </p:cNvPr>
-          <p:cNvSpPr>
-            <a:spLocks noGrp="1"/>
-          </p:cNvSpPr>
-          <p:nvPr>
-            <p:ph type="title" hasCustomPrompt="1"/>
-          </p:nvPr>
-        </p:nvSpPr>
-        <p:spPr>
-          <a:xfrm>
-            <a:off x="432000" y="246039"/>
-            <a:ext cx="11404154" cy="865186"/>
-          </a:xfrm>
-          <a:prstGeom prst="rect">
-            <a:avLst/>
-          </a:prstGeom>
-        </p:spPr>
-        <p:txBody>
-          <a:bodyPr lIns="0" tIns="0" rIns="0" bIns="0">
-            <a:normAutofit/>
-          </a:bodyPr>
-          <a:lstStyle>
-            <a:lvl1pPr>
-              <a:defRPr sz="3600" b="1">
-                <a:solidFill>
-                  <a:schemeClr val="tx1"/>
-                </a:solidFill>
-              </a:defRPr>
-            </a:lvl1pPr>
-          </a:lstStyle>
-          <a:p>
-            <a:r>
-              <a:rPr lang="en-GB" dirty="0"/>
-              <a:t>Heading</a:t>
-            </a:r>
-          </a:p>
-        </p:txBody>
-      </p:sp>
-      <p:pic>
-        <p:nvPicPr>
-          <p:cNvPr id="6" name="Picture 5">
-            <a:extLst>
-              <a:ext uri="{FF2B5EF4-FFF2-40B4-BE49-F238E27FC236}">
-                <a16:creationId xmlns:a16="http://schemas.microsoft.com/office/drawing/2014/main" id="{EBB79D01-2A70-DAF1-6A65-BC0424C2FEEC}"/>
-              </a:ext>
-            </a:extLst>
-          </p:cNvPr>
-          <p:cNvPicPr>
-            <a:picLocks noChangeAspect="1"/>
-          </p:cNvPicPr>
-          <p:nvPr/>
-        </p:nvPicPr>
-        <p:blipFill>
-          <a:blip r:embed="rId2"/>
-          <a:stretch>
-            <a:fillRect/>
-          </a:stretch>
-        </p:blipFill>
-        <p:spPr>
-          <a:xfrm rot="10800000">
-            <a:off x="9220370" y="244040"/>
-            <a:ext cx="3064672" cy="187960"/>
-          </a:xfrm>
-          <a:prstGeom prst="rect">
-            <a:avLst/>
-          </a:prstGeom>
-        </p:spPr>
-      </p:pic>
-      <p:sp>
-        <p:nvSpPr>
-          <p:cNvPr id="2" name="Table 4">
-            <a:extLst>
-              <a:ext uri="{FF2B5EF4-FFF2-40B4-BE49-F238E27FC236}">
-                <a16:creationId xmlns:a16="http://schemas.microsoft.com/office/drawing/2014/main" id="{33872381-C280-9086-52FD-DBBDCA8F655B}"/>
-              </a:ext>
-            </a:extLst>
-          </p:cNvPr>
-          <p:cNvSpPr>
-            <a:spLocks noGrp="1"/>
-          </p:cNvSpPr>
-          <p:nvPr>
-            <p:ph sz="quarter" idx="22"/>
-          </p:nvPr>
-        </p:nvSpPr>
-        <p:spPr>
-          <a:xfrm>
-            <a:off x="9499862" y="1410789"/>
-            <a:ext cx="2500261" cy="4756550"/>
-          </a:xfrm>
-        </p:spPr>
-        <p:txBody>
-          <a:bodyPr/>
-          <a:lstStyle/>
-          <a:p>
-            <a:pPr lvl="0"/>
-            <a:r>
-              <a:rPr lang="en-US" dirty="0"/>
-              <a:t>Click to edit Master text styles</a:t>
-            </a:r>
-          </a:p>
-          <a:p>
-            <a:pPr lvl="1"/>
-            <a:r>
-              <a:rPr lang="en-US" dirty="0"/>
-              <a:t>Second level</a:t>
-            </a:r>
-          </a:p>
-          <a:p>
-            <a:pPr lvl="2"/>
-            <a:r>
-              <a:rPr lang="en-US" dirty="0"/>
-              <a:t>Third level</a:t>
-            </a:r>
-          </a:p>
-        </p:txBody>
-      </p:sp>
-      <p:sp>
-        <p:nvSpPr>
-          <p:cNvPr id="4" name="Table 3">
-            <a:extLst>
-              <a:ext uri="{FF2B5EF4-FFF2-40B4-BE49-F238E27FC236}">
-                <a16:creationId xmlns:a16="http://schemas.microsoft.com/office/drawing/2014/main" id="{D1EB4F8C-5EAC-D4A6-AA99-BA1B4A55AE64}"/>
-              </a:ext>
-            </a:extLst>
-          </p:cNvPr>
-          <p:cNvSpPr>
-            <a:spLocks noGrp="1"/>
-          </p:cNvSpPr>
-          <p:nvPr>
-            <p:ph sz="quarter" idx="21"/>
-          </p:nvPr>
-        </p:nvSpPr>
-        <p:spPr>
-          <a:xfrm>
-            <a:off x="6869914" y="1410789"/>
-            <a:ext cx="2500261" cy="4756550"/>
-          </a:xfrm>
-        </p:spPr>
-        <p:txBody>
-          <a:bodyPr/>
-          <a:lstStyle/>
-          <a:p>
-            <a:pPr lvl="0"/>
-            <a:r>
-              <a:rPr lang="en-US" dirty="0"/>
-              <a:t>Click to edit Master text styles</a:t>
-            </a:r>
-          </a:p>
-          <a:p>
-            <a:pPr lvl="1"/>
-            <a:r>
-              <a:rPr lang="en-US" dirty="0"/>
-              <a:t>Second level</a:t>
-            </a:r>
-          </a:p>
-          <a:p>
-            <a:pPr lvl="2"/>
-            <a:r>
-              <a:rPr lang="en-US" dirty="0"/>
-              <a:t>Third level</a:t>
-            </a:r>
-          </a:p>
-        </p:txBody>
-      </p:sp>
-      <p:sp>
-        <p:nvSpPr>
-          <p:cNvPr id="5" name="Table 2">
-            <a:extLst>
-              <a:ext uri="{FF2B5EF4-FFF2-40B4-BE49-F238E27FC236}">
-                <a16:creationId xmlns:a16="http://schemas.microsoft.com/office/drawing/2014/main" id="{4FEB870F-CF58-89BB-D07B-C6C5F57D439E}"/>
-              </a:ext>
-            </a:extLst>
-          </p:cNvPr>
-          <p:cNvSpPr>
-            <a:spLocks noGrp="1"/>
-          </p:cNvSpPr>
-          <p:nvPr>
-            <p:ph sz="quarter" idx="20"/>
-          </p:nvPr>
-        </p:nvSpPr>
-        <p:spPr>
-          <a:xfrm>
-            <a:off x="4239965" y="1410789"/>
-            <a:ext cx="2500261" cy="4756550"/>
-          </a:xfrm>
-        </p:spPr>
-        <p:txBody>
-          <a:bodyPr/>
-          <a:lstStyle/>
-          <a:p>
-            <a:pPr lvl="0"/>
-            <a:r>
-              <a:rPr lang="en-US" dirty="0"/>
-              <a:t>Click to edit Master text styles</a:t>
-            </a:r>
-          </a:p>
-          <a:p>
-            <a:pPr lvl="1"/>
-            <a:r>
-              <a:rPr lang="en-US" dirty="0"/>
-              <a:t>Second level</a:t>
-            </a:r>
-          </a:p>
-          <a:p>
-            <a:pPr lvl="2"/>
-            <a:r>
-              <a:rPr lang="en-US" dirty="0"/>
-              <a:t>Third level</a:t>
-            </a:r>
-          </a:p>
-        </p:txBody>
-      </p:sp>
-      <p:sp>
-        <p:nvSpPr>
-          <p:cNvPr id="11" name="Table 1">
-            <a:extLst>
-              <a:ext uri="{FF2B5EF4-FFF2-40B4-BE49-F238E27FC236}">
-                <a16:creationId xmlns:a16="http://schemas.microsoft.com/office/drawing/2014/main" id="{67204E94-1A15-8717-CE36-965BE84E15DD}"/>
-              </a:ext>
-            </a:extLst>
-          </p:cNvPr>
-          <p:cNvSpPr>
-            <a:spLocks noGrp="1"/>
-          </p:cNvSpPr>
-          <p:nvPr>
-            <p:ph sz="quarter" idx="14"/>
-          </p:nvPr>
-        </p:nvSpPr>
-        <p:spPr>
-          <a:xfrm>
-            <a:off x="1610017" y="1410789"/>
-            <a:ext cx="2500260" cy="4756550"/>
-          </a:xfrm>
-        </p:spPr>
-        <p:txBody>
-          <a:bodyPr/>
-          <a:lstStyle/>
-          <a:p>
-            <a:pPr lvl="0"/>
-            <a:r>
-              <a:rPr lang="en-US" dirty="0"/>
-              <a:t>Click to edit Master text styles</a:t>
-            </a:r>
-          </a:p>
-          <a:p>
-            <a:pPr lvl="1"/>
-            <a:r>
-              <a:rPr lang="en-US" dirty="0"/>
-              <a:t>Second level</a:t>
-            </a:r>
-          </a:p>
-          <a:p>
-            <a:pPr lvl="2"/>
-            <a:r>
-              <a:rPr lang="en-US" dirty="0"/>
-              <a:t>Third level</a:t>
-            </a:r>
-          </a:p>
-        </p:txBody>
-      </p:sp>
-      <p:sp>
-        <p:nvSpPr>
-          <p:cNvPr id="13" name="Table - Names">
-            <a:extLst>
-              <a:ext uri="{FF2B5EF4-FFF2-40B4-BE49-F238E27FC236}">
-                <a16:creationId xmlns:a16="http://schemas.microsoft.com/office/drawing/2014/main" id="{B7257EFC-E743-6B07-1B01-92CE154267CF}"/>
-              </a:ext>
-            </a:extLst>
-          </p:cNvPr>
-          <p:cNvSpPr>
-            <a:spLocks noGrp="1"/>
-          </p:cNvSpPr>
-          <p:nvPr>
-            <p:ph sz="quarter" idx="13"/>
-          </p:nvPr>
-        </p:nvSpPr>
-        <p:spPr>
-          <a:xfrm>
-            <a:off x="213504" y="1410789"/>
-            <a:ext cx="1266825" cy="4756550"/>
-          </a:xfrm>
-        </p:spPr>
-        <p:txBody>
-          <a:bodyPr/>
-          <a:lstStyle/>
-          <a:p>
-            <a:pPr lvl="0"/>
-            <a:r>
-              <a:rPr lang="en-US" dirty="0"/>
-              <a:t>Click to edit Master text styles</a:t>
-            </a:r>
-          </a:p>
-        </p:txBody>
-      </p:sp>
-      <p:sp>
-        <p:nvSpPr>
-          <p:cNvPr id="15" name="IG">
-            <a:extLst>
-              <a:ext uri="{FF2B5EF4-FFF2-40B4-BE49-F238E27FC236}">
-                <a16:creationId xmlns:a16="http://schemas.microsoft.com/office/drawing/2014/main" id="{BA1F99EC-D69A-B46B-D4D9-89E33D868F2C}"/>
-              </a:ext>
-            </a:extLst>
-          </p:cNvPr>
-          <p:cNvSpPr txBox="1"/>
-          <p:nvPr userDrawn="1"/>
-        </p:nvSpPr>
-        <p:spPr>
-          <a:xfrm>
-            <a:off x="605914" y="6499337"/>
-            <a:ext cx="6058546" cy="261610"/>
-          </a:xfrm>
-          <a:prstGeom prst="rect">
-            <a:avLst/>
-          </a:prstGeom>
-          <a:noFill/>
-        </p:spPr>
-        <p:txBody>
-          <a:bodyPr wrap="square" rtlCol="0">
-            <a:spAutoFit/>
-          </a:bodyPr>
-          <a:lstStyle/>
-          <a:p>
-            <a:pPr>
-              <a:defRPr/>
-            </a:pPr>
-            <a:r>
-              <a:rPr kumimoji="0" lang="en-US" sz="1050" b="0" i="1" u="none" strike="noStrike" kern="1200" cap="none" spc="0" normalizeH="0" baseline="0" noProof="0" dirty="0">
-                <a:ln>
-                  <a:noFill/>
-                </a:ln>
-                <a:solidFill>
-                  <a:srgbClr val="FF0000"/>
-                </a:solidFill>
-                <a:effectLst/>
-                <a:uLnTx/>
-                <a:uFillTx/>
-                <a:latin typeface="Arial" charset="0"/>
-                <a:cs typeface="Arial" charset="0"/>
-              </a:rPr>
-              <a:t>All data is for management information purposes and is not for wider circulation or publication</a:t>
-            </a:r>
-            <a:endParaRPr kumimoji="0" lang="en-US" sz="1050" b="0" i="0" u="none" strike="noStrike" kern="1200" cap="none" spc="0" normalizeH="0" baseline="0" noProof="0" dirty="0">
-              <a:ln>
-                <a:noFill/>
-              </a:ln>
-              <a:solidFill>
-                <a:srgbClr val="A5A5A5">
-                  <a:lumMod val="60000"/>
-                  <a:lumOff val="40000"/>
-                </a:srgbClr>
-              </a:solidFill>
-              <a:effectLst/>
-              <a:uLnTx/>
-              <a:uFillTx/>
-              <a:latin typeface="Arial" charset="0"/>
-              <a:cs typeface="Arial" charset="0"/>
-            </a:endParaRPr>
-          </a:p>
-        </p:txBody>
-      </p:sp>
-      <p:sp>
-        <p:nvSpPr>
-          <p:cNvPr id="16" name="Source">
-            <a:extLst>
-              <a:ext uri="{FF2B5EF4-FFF2-40B4-BE49-F238E27FC236}">
-                <a16:creationId xmlns:a16="http://schemas.microsoft.com/office/drawing/2014/main" id="{A8185C87-C90D-C04D-3013-4B31FCA275DE}"/>
-              </a:ext>
-            </a:extLst>
-          </p:cNvPr>
-          <p:cNvSpPr>
-            <a:spLocks noGrp="1"/>
-          </p:cNvSpPr>
-          <p:nvPr>
-            <p:ph type="body" sz="quarter" idx="24"/>
-          </p:nvPr>
-        </p:nvSpPr>
-        <p:spPr>
-          <a:xfrm>
-            <a:off x="6430632" y="6497263"/>
-            <a:ext cx="4932000" cy="262800"/>
-          </a:xfrm>
-        </p:spPr>
-        <p:txBody>
-          <a:bodyPr anchor="ctr">
-            <a:normAutofit/>
-          </a:bodyPr>
-          <a:lstStyle>
-            <a:lvl1pPr marL="0" indent="0" algn="r">
-              <a:buNone/>
-              <a:defRPr sz="1050" i="1">
-                <a:solidFill>
-                  <a:schemeClr val="accent6"/>
-                </a:solidFill>
-                <a:latin typeface="Arial" panose="020B0604020202020204" pitchFamily="34" charset="0"/>
-                <a:cs typeface="Arial" panose="020B0604020202020204" pitchFamily="34" charset="0"/>
-              </a:defRPr>
-            </a:lvl1pPr>
-          </a:lstStyle>
-          <a:p>
-            <a:pPr lvl="0"/>
-            <a:r>
-              <a:rPr lang="en-GB" dirty="0"/>
-              <a:t>Click to edit Master text styles</a:t>
-            </a:r>
-          </a:p>
-        </p:txBody>
-      </p:sp>
-      <p:sp>
-        <p:nvSpPr>
-          <p:cNvPr id="3" name="Rectangle 2">
-            <a:extLst>
-              <a:ext uri="{FF2B5EF4-FFF2-40B4-BE49-F238E27FC236}">
-                <a16:creationId xmlns:a16="http://schemas.microsoft.com/office/drawing/2014/main" id="{FC227F76-4D1D-B6A1-5362-44B35EA4A13C}"/>
-              </a:ext>
-            </a:extLst>
-          </p:cNvPr>
-          <p:cNvSpPr/>
-          <p:nvPr userDrawn="1"/>
-        </p:nvSpPr>
-        <p:spPr>
-          <a:xfrm>
-            <a:off x="11444644" y="6477209"/>
-            <a:ext cx="372218" cy="276999"/>
-          </a:xfrm>
-          <a:prstGeom prst="rect">
-            <a:avLst/>
-          </a:prstGeom>
-        </p:spPr>
-        <p:txBody>
-          <a:bodyPr wrap="none">
-            <a:spAutoFit/>
-          </a:bodyPr>
-          <a:lstStyle/>
-          <a:p>
-            <a:pPr algn="r"/>
-            <a:fld id="{BA3B713D-1FBB-0E4F-91D0-D2B735266E79}" type="slidenum">
-              <a:rPr lang="en-GB" sz="1200" smtClean="0">
-                <a:solidFill>
-                  <a:schemeClr val="accent6"/>
-                </a:solidFill>
-              </a:rPr>
-              <a:pPr algn="r"/>
-              <a:t>‹#›</a:t>
-            </a:fld>
-            <a:endParaRPr lang="en-GB" sz="1200" dirty="0">
-              <a:solidFill>
-                <a:schemeClr val="accent6"/>
-              </a:solidFill>
-            </a:endParaRPr>
-          </a:p>
-        </p:txBody>
-      </p:sp>
-      <p:cxnSp>
-        <p:nvCxnSpPr>
-          <p:cNvPr id="8" name="Straight Connector 7">
-            <a:extLst>
-              <a:ext uri="{FF2B5EF4-FFF2-40B4-BE49-F238E27FC236}">
-                <a16:creationId xmlns:a16="http://schemas.microsoft.com/office/drawing/2014/main" id="{6126D8FE-A0B2-6C2A-5C37-B98757BFCE66}"/>
-              </a:ext>
-            </a:extLst>
-          </p:cNvPr>
-          <p:cNvCxnSpPr>
-            <a:cxnSpLocks/>
-          </p:cNvCxnSpPr>
-          <p:nvPr userDrawn="1"/>
-        </p:nvCxnSpPr>
-        <p:spPr>
-          <a:xfrm>
-            <a:off x="408789" y="6425650"/>
-            <a:ext cx="11399211" cy="0"/>
-          </a:xfrm>
-          <a:prstGeom prst="line">
-            <a:avLst/>
-          </a:prstGeom>
-          <a:ln w="6350">
-            <a:solidFill>
-              <a:schemeClr val="accent2"/>
-            </a:solidFill>
-          </a:ln>
-        </p:spPr>
-        <p:style>
-          <a:lnRef idx="1">
-            <a:schemeClr val="accent1"/>
-          </a:lnRef>
-          <a:fillRef idx="0">
-            <a:schemeClr val="accent1"/>
-          </a:fillRef>
-          <a:effectRef idx="0">
-            <a:schemeClr val="accent1"/>
-          </a:effectRef>
-          <a:fontRef idx="minor">
-            <a:schemeClr val="tx1"/>
-          </a:fontRef>
-        </p:style>
-      </p:cxnSp>
-    </p:spTree>
-    <p:extLst>
-      <p:ext uri="{BB962C8B-B14F-4D97-AF65-F5344CB8AC3E}">
-        <p14:creationId xmlns:p14="http://schemas.microsoft.com/office/powerpoint/2010/main" val="1302569558"/>
-      </p:ext>
-    </p:extLst>
-  </p:cSld>
-  <p:clrMapOvr>
-    <a:masterClrMapping/>
-  </p:clrMapOvr>
-  <mc:AlternateContent xmlns:mc="http://schemas.openxmlformats.org/markup-compatibility/2006" xmlns:p14="http://schemas.microsoft.com/office/powerpoint/2010/main">
-    <mc:Choice Requires="p14">
-      <p:transition spd="med" p14:dur="700">
-        <p:fade/>
-      </p:transition>
-    </mc:Choice>
-    <mc:Fallback xmlns="">
-      <p:transition spd="med">
-        <p:fade/>
-      </p:transition>
-    </mc:Fallback>
-  </mc:AlternateContent>
-</p:sldLayout>
-</file>
-
-<file path=ppt/slideLayouts/slideLayout4.xml><?xml version="1.0" encoding="utf-8"?>
 <p:sldLayout xmlns:a="http://schemas.openxmlformats.org/drawingml/2006/main" xmlns:r="http://schemas.openxmlformats.org/officeDocument/2006/relationships" xmlns:p="http://schemas.openxmlformats.org/presentationml/2006/main" showMasterSp="0" preserve="1" userDrawn="1">
   <p:cSld name="Charts">
     <p:spTree>
@@ -3378,7 +2566,7 @@
           <a:p>
             <a:fld id="{E5DE0DA5-B22D-460C-B908-E6438FE4880A}" type="datetimeFigureOut">
               <a:rPr lang="en-GB" smtClean="0"/>
-              <a:t>15/01/2024</a:t>
+              <a:t>31/01/2024</a:t>
             </a:fld>
             <a:endParaRPr lang="en-GB"/>
           </a:p>
@@ -3484,9 +2672,7 @@
   <p:clrMap bg1="dk1" tx1="lt1" bg2="dk2" tx2="lt2" accent1="accent1" accent2="accent2" accent3="accent3" accent4="accent4" accent5="accent5" accent6="accent6" hlink="hlink" folHlink="folHlink"/>
   <p:sldLayoutIdLst>
     <p:sldLayoutId id="2147483711" r:id="rId1"/>
-    <p:sldLayoutId id="2147483713" r:id="rId2"/>
-    <p:sldLayoutId id="2147483716" r:id="rId3"/>
-    <p:sldLayoutId id="2147483717" r:id="rId4"/>
+    <p:sldLayoutId id="2147483717" r:id="rId2"/>
   </p:sldLayoutIdLst>
   <mc:AlternateContent xmlns:mc="http://schemas.openxmlformats.org/markup-compatibility/2006" xmlns:p14="http://schemas.microsoft.com/office/powerpoint/2010/main">
     <mc:Choice Requires="p14">

--- a/output/pp_master.pptx
+++ b/output/pp_master.pptx
@@ -1148,13 +1148,13 @@
   </pc:docChgLst>
   <pc:docChgLst>
     <pc:chgData name="Laura Birks" userId="1d9e98d4-a67b-4d2d-a30a-cea635c3d15f" providerId="ADAL" clId="{A1D47A63-17A7-492B-AF30-FE1D088DC299}"/>
-    <pc:docChg chg="modMainMaster">
-      <pc:chgData name="Laura Birks" userId="1d9e98d4-a67b-4d2d-a30a-cea635c3d15f" providerId="ADAL" clId="{A1D47A63-17A7-492B-AF30-FE1D088DC299}" dt="2024-01-31T10:50:32.908" v="12" actId="2696"/>
+    <pc:docChg chg="undo custSel addMainMaster delMainMaster modMainMaster">
+      <pc:chgData name="Laura Birks" userId="1d9e98d4-a67b-4d2d-a30a-cea635c3d15f" providerId="ADAL" clId="{A1D47A63-17A7-492B-AF30-FE1D088DC299}" dt="2024-01-31T11:51:21.687" v="18" actId="11236"/>
       <pc:docMkLst>
         <pc:docMk/>
       </pc:docMkLst>
-      <pc:sldMasterChg chg="delSldLayout modSldLayout">
-        <pc:chgData name="Laura Birks" userId="1d9e98d4-a67b-4d2d-a30a-cea635c3d15f" providerId="ADAL" clId="{A1D47A63-17A7-492B-AF30-FE1D088DC299}" dt="2024-01-31T10:50:32.908" v="12" actId="2696"/>
+      <pc:sldMasterChg chg="addSldLayout delSldLayout modSldLayout">
+        <pc:chgData name="Laura Birks" userId="1d9e98d4-a67b-4d2d-a30a-cea635c3d15f" providerId="ADAL" clId="{A1D47A63-17A7-492B-AF30-FE1D088DC299}" dt="2024-01-31T11:51:21.687" v="18" actId="11236"/>
         <pc:sldMasterMkLst>
           <pc:docMk/>
           <pc:sldMasterMk cId="2002203946" sldId="2147483666"/>
@@ -1175,6 +1175,22 @@
             <pc:sldLayoutMk cId="1302569558" sldId="2147483716"/>
           </pc:sldLayoutMkLst>
         </pc:sldLayoutChg>
+        <pc:sldLayoutChg chg="new del mod">
+          <pc:chgData name="Laura Birks" userId="1d9e98d4-a67b-4d2d-a30a-cea635c3d15f" providerId="ADAL" clId="{A1D47A63-17A7-492B-AF30-FE1D088DC299}" dt="2024-01-31T11:51:14.397" v="14" actId="2696"/>
+          <pc:sldLayoutMkLst>
+            <pc:docMk/>
+            <pc:sldMasterMk cId="2002203946" sldId="2147483666"/>
+            <pc:sldLayoutMk cId="304679446" sldId="2147483718"/>
+          </pc:sldLayoutMkLst>
+        </pc:sldLayoutChg>
+        <pc:sldLayoutChg chg="new del mod">
+          <pc:chgData name="Laura Birks" userId="1d9e98d4-a67b-4d2d-a30a-cea635c3d15f" providerId="ADAL" clId="{A1D47A63-17A7-492B-AF30-FE1D088DC299}" dt="2024-01-31T11:51:21.687" v="18" actId="11236"/>
+          <pc:sldLayoutMkLst>
+            <pc:docMk/>
+            <pc:sldMasterMk cId="2002203946" sldId="2147483666"/>
+            <pc:sldLayoutMk cId="2170436236" sldId="2147483718"/>
+          </pc:sldLayoutMkLst>
+        </pc:sldLayoutChg>
         <pc:sldLayoutChg chg="modSp del mod">
           <pc:chgData name="Laura Birks" userId="1d9e98d4-a67b-4d2d-a30a-cea635c3d15f" providerId="ADAL" clId="{A1D47A63-17A7-492B-AF30-FE1D088DC299}" dt="2024-01-31T10:50:32.908" v="12" actId="2696"/>
           <pc:sldLayoutMkLst>
@@ -1200,6 +1216,101 @@
               <ac:spMk id="15" creationId="{73B24655-9588-E787-79C1-86112762F024}"/>
             </ac:spMkLst>
           </pc:spChg>
+        </pc:sldLayoutChg>
+      </pc:sldMasterChg>
+      <pc:sldMasterChg chg="new del mod addSldLayout delSldLayout">
+        <pc:chgData name="Laura Birks" userId="1d9e98d4-a67b-4d2d-a30a-cea635c3d15f" providerId="ADAL" clId="{A1D47A63-17A7-492B-AF30-FE1D088DC299}" dt="2024-01-31T11:51:16.726" v="16" actId="6938"/>
+        <pc:sldMasterMkLst>
+          <pc:docMk/>
+          <pc:sldMasterMk cId="1575736776" sldId="2147483718"/>
+        </pc:sldMasterMkLst>
+        <pc:sldLayoutChg chg="new del replId">
+          <pc:chgData name="Laura Birks" userId="1d9e98d4-a67b-4d2d-a30a-cea635c3d15f" providerId="ADAL" clId="{A1D47A63-17A7-492B-AF30-FE1D088DC299}" dt="2024-01-31T11:51:16.726" v="16" actId="6938"/>
+          <pc:sldLayoutMkLst>
+            <pc:docMk/>
+            <pc:sldMasterMk cId="1575736776" sldId="2147483718"/>
+            <pc:sldLayoutMk cId="2472489549" sldId="2147483719"/>
+          </pc:sldLayoutMkLst>
+        </pc:sldLayoutChg>
+        <pc:sldLayoutChg chg="new del replId">
+          <pc:chgData name="Laura Birks" userId="1d9e98d4-a67b-4d2d-a30a-cea635c3d15f" providerId="ADAL" clId="{A1D47A63-17A7-492B-AF30-FE1D088DC299}" dt="2024-01-31T11:51:16.726" v="16" actId="6938"/>
+          <pc:sldLayoutMkLst>
+            <pc:docMk/>
+            <pc:sldMasterMk cId="1575736776" sldId="2147483718"/>
+            <pc:sldLayoutMk cId="926542962" sldId="2147483720"/>
+          </pc:sldLayoutMkLst>
+        </pc:sldLayoutChg>
+        <pc:sldLayoutChg chg="new del replId">
+          <pc:chgData name="Laura Birks" userId="1d9e98d4-a67b-4d2d-a30a-cea635c3d15f" providerId="ADAL" clId="{A1D47A63-17A7-492B-AF30-FE1D088DC299}" dt="2024-01-31T11:51:16.726" v="16" actId="6938"/>
+          <pc:sldLayoutMkLst>
+            <pc:docMk/>
+            <pc:sldMasterMk cId="1575736776" sldId="2147483718"/>
+            <pc:sldLayoutMk cId="3268560244" sldId="2147483721"/>
+          </pc:sldLayoutMkLst>
+        </pc:sldLayoutChg>
+        <pc:sldLayoutChg chg="new del replId">
+          <pc:chgData name="Laura Birks" userId="1d9e98d4-a67b-4d2d-a30a-cea635c3d15f" providerId="ADAL" clId="{A1D47A63-17A7-492B-AF30-FE1D088DC299}" dt="2024-01-31T11:51:16.726" v="16" actId="6938"/>
+          <pc:sldLayoutMkLst>
+            <pc:docMk/>
+            <pc:sldMasterMk cId="1575736776" sldId="2147483718"/>
+            <pc:sldLayoutMk cId="2485013750" sldId="2147483722"/>
+          </pc:sldLayoutMkLst>
+        </pc:sldLayoutChg>
+        <pc:sldLayoutChg chg="new del replId">
+          <pc:chgData name="Laura Birks" userId="1d9e98d4-a67b-4d2d-a30a-cea635c3d15f" providerId="ADAL" clId="{A1D47A63-17A7-492B-AF30-FE1D088DC299}" dt="2024-01-31T11:51:16.726" v="16" actId="6938"/>
+          <pc:sldLayoutMkLst>
+            <pc:docMk/>
+            <pc:sldMasterMk cId="1575736776" sldId="2147483718"/>
+            <pc:sldLayoutMk cId="2613637310" sldId="2147483723"/>
+          </pc:sldLayoutMkLst>
+        </pc:sldLayoutChg>
+        <pc:sldLayoutChg chg="new del replId">
+          <pc:chgData name="Laura Birks" userId="1d9e98d4-a67b-4d2d-a30a-cea635c3d15f" providerId="ADAL" clId="{A1D47A63-17A7-492B-AF30-FE1D088DC299}" dt="2024-01-31T11:51:16.726" v="16" actId="6938"/>
+          <pc:sldLayoutMkLst>
+            <pc:docMk/>
+            <pc:sldMasterMk cId="1575736776" sldId="2147483718"/>
+            <pc:sldLayoutMk cId="514996303" sldId="2147483724"/>
+          </pc:sldLayoutMkLst>
+        </pc:sldLayoutChg>
+        <pc:sldLayoutChg chg="new del replId">
+          <pc:chgData name="Laura Birks" userId="1d9e98d4-a67b-4d2d-a30a-cea635c3d15f" providerId="ADAL" clId="{A1D47A63-17A7-492B-AF30-FE1D088DC299}" dt="2024-01-31T11:51:16.726" v="16" actId="6938"/>
+          <pc:sldLayoutMkLst>
+            <pc:docMk/>
+            <pc:sldMasterMk cId="1575736776" sldId="2147483718"/>
+            <pc:sldLayoutMk cId="3360506738" sldId="2147483725"/>
+          </pc:sldLayoutMkLst>
+        </pc:sldLayoutChg>
+        <pc:sldLayoutChg chg="new del replId">
+          <pc:chgData name="Laura Birks" userId="1d9e98d4-a67b-4d2d-a30a-cea635c3d15f" providerId="ADAL" clId="{A1D47A63-17A7-492B-AF30-FE1D088DC299}" dt="2024-01-31T11:51:16.726" v="16" actId="6938"/>
+          <pc:sldLayoutMkLst>
+            <pc:docMk/>
+            <pc:sldMasterMk cId="1575736776" sldId="2147483718"/>
+            <pc:sldLayoutMk cId="2821972517" sldId="2147483726"/>
+          </pc:sldLayoutMkLst>
+        </pc:sldLayoutChg>
+        <pc:sldLayoutChg chg="new del replId">
+          <pc:chgData name="Laura Birks" userId="1d9e98d4-a67b-4d2d-a30a-cea635c3d15f" providerId="ADAL" clId="{A1D47A63-17A7-492B-AF30-FE1D088DC299}" dt="2024-01-31T11:51:16.726" v="16" actId="6938"/>
+          <pc:sldLayoutMkLst>
+            <pc:docMk/>
+            <pc:sldMasterMk cId="1575736776" sldId="2147483718"/>
+            <pc:sldLayoutMk cId="1171805418" sldId="2147483727"/>
+          </pc:sldLayoutMkLst>
+        </pc:sldLayoutChg>
+        <pc:sldLayoutChg chg="new del replId">
+          <pc:chgData name="Laura Birks" userId="1d9e98d4-a67b-4d2d-a30a-cea635c3d15f" providerId="ADAL" clId="{A1D47A63-17A7-492B-AF30-FE1D088DC299}" dt="2024-01-31T11:51:16.726" v="16" actId="6938"/>
+          <pc:sldLayoutMkLst>
+            <pc:docMk/>
+            <pc:sldMasterMk cId="1575736776" sldId="2147483718"/>
+            <pc:sldLayoutMk cId="2432876475" sldId="2147483728"/>
+          </pc:sldLayoutMkLst>
+        </pc:sldLayoutChg>
+        <pc:sldLayoutChg chg="new del replId">
+          <pc:chgData name="Laura Birks" userId="1d9e98d4-a67b-4d2d-a30a-cea635c3d15f" providerId="ADAL" clId="{A1D47A63-17A7-492B-AF30-FE1D088DC299}" dt="2024-01-31T11:51:16.726" v="16" actId="6938"/>
+          <pc:sldLayoutMkLst>
+            <pc:docMk/>
+            <pc:sldMasterMk cId="1575736776" sldId="2147483718"/>
+            <pc:sldLayoutMk cId="888301677" sldId="2147483729"/>
+          </pc:sldLayoutMkLst>
         </pc:sldLayoutChg>
       </pc:sldMasterChg>
     </pc:docChg>

--- a/output/pp_master.pptx
+++ b/output/pp_master.pptx
@@ -112,7 +112,7 @@
 <file path=ppt/revisionInfo.xml><?xml version="1.0" encoding="utf-8"?>
 <p1510:revInfo xmlns:a="http://schemas.openxmlformats.org/drawingml/2006/main" xmlns:r="http://schemas.openxmlformats.org/officeDocument/2006/relationships" xmlns:p1510="http://schemas.microsoft.com/office/powerpoint/2015/10/main">
   <p1510:revLst>
-    <p1510:client id="{A1D47A63-17A7-492B-AF30-FE1D088DC299}" v="2" dt="2024-01-31T10:46:15.387"/>
+    <p1510:client id="{A1D47A63-17A7-492B-AF30-FE1D088DC299}" v="14" dt="2024-02-02T11:21:40.166"/>
   </p1510:revLst>
 </p1510:revInfo>
 </file>
@@ -1149,12 +1149,12 @@
   <pc:docChgLst>
     <pc:chgData name="Laura Birks" userId="1d9e98d4-a67b-4d2d-a30a-cea635c3d15f" providerId="ADAL" clId="{A1D47A63-17A7-492B-AF30-FE1D088DC299}"/>
     <pc:docChg chg="undo custSel addMainMaster delMainMaster modMainMaster">
-      <pc:chgData name="Laura Birks" userId="1d9e98d4-a67b-4d2d-a30a-cea635c3d15f" providerId="ADAL" clId="{A1D47A63-17A7-492B-AF30-FE1D088DC299}" dt="2024-01-31T11:51:21.687" v="18" actId="11236"/>
+      <pc:chgData name="Laura Birks" userId="1d9e98d4-a67b-4d2d-a30a-cea635c3d15f" providerId="ADAL" clId="{A1D47A63-17A7-492B-AF30-FE1D088DC299}" dt="2024-02-02T11:21:40.166" v="49" actId="20577"/>
       <pc:docMkLst>
         <pc:docMk/>
       </pc:docMkLst>
       <pc:sldMasterChg chg="addSldLayout delSldLayout modSldLayout">
-        <pc:chgData name="Laura Birks" userId="1d9e98d4-a67b-4d2d-a30a-cea635c3d15f" providerId="ADAL" clId="{A1D47A63-17A7-492B-AF30-FE1D088DC299}" dt="2024-01-31T11:51:21.687" v="18" actId="11236"/>
+        <pc:chgData name="Laura Birks" userId="1d9e98d4-a67b-4d2d-a30a-cea635c3d15f" providerId="ADAL" clId="{A1D47A63-17A7-492B-AF30-FE1D088DC299}" dt="2024-02-02T11:21:40.166" v="49" actId="20577"/>
         <pc:sldMasterMkLst>
           <pc:docMk/>
           <pc:sldMasterMk cId="2002203946" sldId="2147483666"/>
@@ -1175,6 +1175,50 @@
             <pc:sldLayoutMk cId="1302569558" sldId="2147483716"/>
           </pc:sldLayoutMkLst>
         </pc:sldLayoutChg>
+        <pc:sldLayoutChg chg="addSp delSp modSp mod">
+          <pc:chgData name="Laura Birks" userId="1d9e98d4-a67b-4d2d-a30a-cea635c3d15f" providerId="ADAL" clId="{A1D47A63-17A7-492B-AF30-FE1D088DC299}" dt="2024-02-02T11:21:40.166" v="49" actId="20577"/>
+          <pc:sldLayoutMkLst>
+            <pc:docMk/>
+            <pc:sldMasterMk cId="2002203946" sldId="2147483666"/>
+            <pc:sldLayoutMk cId="1392364112" sldId="2147483717"/>
+          </pc:sldLayoutMkLst>
+          <pc:spChg chg="add del">
+            <ac:chgData name="Laura Birks" userId="1d9e98d4-a67b-4d2d-a30a-cea635c3d15f" providerId="ADAL" clId="{A1D47A63-17A7-492B-AF30-FE1D088DC299}" dt="2024-02-02T11:21:35.700" v="42" actId="11529"/>
+            <ac:spMkLst>
+              <pc:docMk/>
+              <pc:sldMasterMk cId="2002203946" sldId="2147483666"/>
+              <pc:sldLayoutMk cId="1392364112" sldId="2147483717"/>
+              <ac:spMk id="3" creationId="{570A373B-29D1-936D-6370-90EAC3C913E1}"/>
+            </ac:spMkLst>
+          </pc:spChg>
+          <pc:spChg chg="add mod">
+            <ac:chgData name="Laura Birks" userId="1d9e98d4-a67b-4d2d-a30a-cea635c3d15f" providerId="ADAL" clId="{A1D47A63-17A7-492B-AF30-FE1D088DC299}" dt="2024-02-02T11:21:40.166" v="49" actId="20577"/>
+            <ac:spMkLst>
+              <pc:docMk/>
+              <pc:sldMasterMk cId="2002203946" sldId="2147483666"/>
+              <pc:sldLayoutMk cId="1392364112" sldId="2147483717"/>
+              <ac:spMk id="5" creationId="{1E2C6DB7-160F-3683-9CFE-35AC713FAD23}"/>
+            </ac:spMkLst>
+          </pc:spChg>
+          <pc:spChg chg="mod">
+            <ac:chgData name="Laura Birks" userId="1d9e98d4-a67b-4d2d-a30a-cea635c3d15f" providerId="ADAL" clId="{A1D47A63-17A7-492B-AF30-FE1D088DC299}" dt="2024-02-02T11:21:29.652" v="40" actId="14100"/>
+            <ac:spMkLst>
+              <pc:docMk/>
+              <pc:sldMasterMk cId="2002203946" sldId="2147483666"/>
+              <pc:sldLayoutMk cId="1392364112" sldId="2147483717"/>
+              <ac:spMk id="13" creationId="{14817992-0A9D-E7F5-4CBC-352D5F4839CE}"/>
+            </ac:spMkLst>
+          </pc:spChg>
+          <pc:spChg chg="mod">
+            <ac:chgData name="Laura Birks" userId="1d9e98d4-a67b-4d2d-a30a-cea635c3d15f" providerId="ADAL" clId="{A1D47A63-17A7-492B-AF30-FE1D088DC299}" dt="2024-02-02T11:21:31.270" v="41" actId="1076"/>
+            <ac:spMkLst>
+              <pc:docMk/>
+              <pc:sldMasterMk cId="2002203946" sldId="2147483666"/>
+              <pc:sldLayoutMk cId="1392364112" sldId="2147483717"/>
+              <ac:spMk id="15" creationId="{73B24655-9588-E787-79C1-86112762F024}"/>
+            </ac:spMkLst>
+          </pc:spChg>
+        </pc:sldLayoutChg>
         <pc:sldLayoutChg chg="new del mod">
           <pc:chgData name="Laura Birks" userId="1d9e98d4-a67b-4d2d-a30a-cea635c3d15f" providerId="ADAL" clId="{A1D47A63-17A7-492B-AF30-FE1D088DC299}" dt="2024-01-31T11:51:14.397" v="14" actId="2696"/>
           <pc:sldLayoutMkLst>
@@ -1183,6 +1227,32 @@
             <pc:sldLayoutMk cId="304679446" sldId="2147483718"/>
           </pc:sldLayoutMkLst>
         </pc:sldLayoutChg>
+        <pc:sldLayoutChg chg="modSp del mod">
+          <pc:chgData name="Laura Birks" userId="1d9e98d4-a67b-4d2d-a30a-cea635c3d15f" providerId="ADAL" clId="{A1D47A63-17A7-492B-AF30-FE1D088DC299}" dt="2024-02-02T10:22:12.424" v="29" actId="2696"/>
+          <pc:sldLayoutMkLst>
+            <pc:docMk/>
+            <pc:sldMasterMk cId="2002203946" sldId="2147483666"/>
+            <pc:sldLayoutMk cId="1009520771" sldId="2147483718"/>
+          </pc:sldLayoutMkLst>
+          <pc:spChg chg="mod">
+            <ac:chgData name="Laura Birks" userId="1d9e98d4-a67b-4d2d-a30a-cea635c3d15f" providerId="ADAL" clId="{A1D47A63-17A7-492B-AF30-FE1D088DC299}" dt="2024-02-02T10:20:23.867" v="27" actId="207"/>
+            <ac:spMkLst>
+              <pc:docMk/>
+              <pc:sldMasterMk cId="2002203946" sldId="2147483666"/>
+              <pc:sldLayoutMk cId="1009520771" sldId="2147483718"/>
+              <ac:spMk id="13" creationId="{14817992-0A9D-E7F5-4CBC-352D5F4839CE}"/>
+            </ac:spMkLst>
+          </pc:spChg>
+          <pc:spChg chg="mod">
+            <ac:chgData name="Laura Birks" userId="1d9e98d4-a67b-4d2d-a30a-cea635c3d15f" providerId="ADAL" clId="{A1D47A63-17A7-492B-AF30-FE1D088DC299}" dt="2024-02-02T10:20:36.712" v="28" actId="962"/>
+            <ac:spMkLst>
+              <pc:docMk/>
+              <pc:sldMasterMk cId="2002203946" sldId="2147483666"/>
+              <pc:sldLayoutMk cId="1009520771" sldId="2147483718"/>
+              <ac:spMk id="15" creationId="{73B24655-9588-E787-79C1-86112762F024}"/>
+            </ac:spMkLst>
+          </pc:spChg>
+        </pc:sldLayoutChg>
         <pc:sldLayoutChg chg="new del mod">
           <pc:chgData name="Laura Birks" userId="1d9e98d4-a67b-4d2d-a30a-cea635c3d15f" providerId="ADAL" clId="{A1D47A63-17A7-492B-AF30-FE1D088DC299}" dt="2024-01-31T11:51:21.687" v="18" actId="11236"/>
           <pc:sldLayoutMkLst>
@@ -1213,6 +1283,32 @@
               <pc:docMk/>
               <pc:sldMasterMk cId="2002203946" sldId="2147483666"/>
               <pc:sldLayoutMk cId="2492960056" sldId="2147483718"/>
+              <ac:spMk id="15" creationId="{73B24655-9588-E787-79C1-86112762F024}"/>
+            </ac:spMkLst>
+          </pc:spChg>
+        </pc:sldLayoutChg>
+        <pc:sldLayoutChg chg="modSp mod">
+          <pc:chgData name="Laura Birks" userId="1d9e98d4-a67b-4d2d-a30a-cea635c3d15f" providerId="ADAL" clId="{A1D47A63-17A7-492B-AF30-FE1D088DC299}" dt="2024-02-02T11:19:56.586" v="36" actId="962"/>
+          <pc:sldLayoutMkLst>
+            <pc:docMk/>
+            <pc:sldMasterMk cId="2002203946" sldId="2147483666"/>
+            <pc:sldLayoutMk cId="2799714396" sldId="2147483718"/>
+          </pc:sldLayoutMkLst>
+          <pc:spChg chg="mod">
+            <ac:chgData name="Laura Birks" userId="1d9e98d4-a67b-4d2d-a30a-cea635c3d15f" providerId="ADAL" clId="{A1D47A63-17A7-492B-AF30-FE1D088DC299}" dt="2024-02-02T11:19:40.792" v="35" actId="207"/>
+            <ac:spMkLst>
+              <pc:docMk/>
+              <pc:sldMasterMk cId="2002203946" sldId="2147483666"/>
+              <pc:sldLayoutMk cId="2799714396" sldId="2147483718"/>
+              <ac:spMk id="13" creationId="{14817992-0A9D-E7F5-4CBC-352D5F4839CE}"/>
+            </ac:spMkLst>
+          </pc:spChg>
+          <pc:spChg chg="mod">
+            <ac:chgData name="Laura Birks" userId="1d9e98d4-a67b-4d2d-a30a-cea635c3d15f" providerId="ADAL" clId="{A1D47A63-17A7-492B-AF30-FE1D088DC299}" dt="2024-02-02T11:19:56.586" v="36" actId="962"/>
+            <ac:spMkLst>
+              <pc:docMk/>
+              <pc:sldMasterMk cId="2002203946" sldId="2147483666"/>
+              <pc:sldLayoutMk cId="2799714396" sldId="2147483718"/>
               <ac:spMk id="15" creationId="{73B24655-9588-E787-79C1-86112762F024}"/>
             </ac:spMkLst>
           </pc:spChg>
@@ -2084,8 +2180,8 @@
         </p:nvSpPr>
         <p:spPr>
           <a:xfrm>
-            <a:off x="315686" y="2302626"/>
-            <a:ext cx="11520128" cy="4161606"/>
+            <a:off x="6096000" y="1085055"/>
+            <a:ext cx="5905033" cy="4161606"/>
           </a:xfrm>
         </p:spPr>
         <p:txBody>
@@ -2133,9 +2229,662 @@
         <p:spPr>
           <a:xfrm>
             <a:off x="324420" y="1044305"/>
-            <a:ext cx="11483579" cy="1781831"/>
+            <a:ext cx="4965427" cy="4288270"/>
           </a:xfrm>
           <a:noFill/>
+        </p:spPr>
+        <p:txBody>
+          <a:bodyPr lIns="0" tIns="0" rIns="0" bIns="0">
+            <a:normAutofit/>
+          </a:bodyPr>
+          <a:lstStyle>
+            <a:lvl1pPr marL="0" indent="0">
+              <a:buNone/>
+              <a:defRPr sz="1200">
+                <a:solidFill>
+                  <a:schemeClr val="tx1"/>
+                </a:solidFill>
+              </a:defRPr>
+            </a:lvl1pPr>
+          </a:lstStyle>
+          <a:p>
+            <a:pPr lvl="0"/>
+            <a:r>
+              <a:rPr lang="en-US" dirty="0"/>
+              <a:t>Click to edit Master text styles</a:t>
+            </a:r>
+          </a:p>
+        </p:txBody>
+      </p:sp>
+      <p:sp>
+        <p:nvSpPr>
+          <p:cNvPr id="6" name="Description">
+            <a:extLst>
+              <a:ext uri="{FF2B5EF4-FFF2-40B4-BE49-F238E27FC236}">
+                <a16:creationId xmlns:a16="http://schemas.microsoft.com/office/drawing/2014/main" id="{9374D22D-B944-92EA-52A1-50D6FD937F25}"/>
+              </a:ext>
+            </a:extLst>
+          </p:cNvPr>
+          <p:cNvSpPr>
+            <a:spLocks noGrp="1"/>
+          </p:cNvSpPr>
+          <p:nvPr>
+            <p:ph type="body" sz="quarter" idx="13" hasCustomPrompt="1"/>
+          </p:nvPr>
+        </p:nvSpPr>
+        <p:spPr>
+          <a:xfrm>
+            <a:off x="315686" y="698827"/>
+            <a:ext cx="11050700" cy="259108"/>
+          </a:xfrm>
+          <a:prstGeom prst="rect">
+            <a:avLst/>
+          </a:prstGeom>
+        </p:spPr>
+        <p:txBody>
+          <a:bodyPr lIns="0" tIns="0" rIns="0" bIns="0" numCol="2" anchor="t">
+            <a:noAutofit/>
+          </a:bodyPr>
+          <a:lstStyle>
+            <a:lvl1pPr marL="0" indent="0">
+              <a:lnSpc>
+                <a:spcPct val="100000"/>
+              </a:lnSpc>
+              <a:spcBef>
+                <a:spcPts val="0"/>
+              </a:spcBef>
+              <a:spcAft>
+                <a:spcPts val="0"/>
+              </a:spcAft>
+              <a:buClr>
+                <a:schemeClr val="tx1"/>
+              </a:buClr>
+              <a:buNone/>
+              <a:defRPr sz="1050" b="0">
+                <a:solidFill>
+                  <a:schemeClr val="accent6"/>
+                </a:solidFill>
+              </a:defRPr>
+            </a:lvl1pPr>
+            <a:lvl2pPr marL="357188" indent="0">
+              <a:buClr>
+                <a:schemeClr val="tx1"/>
+              </a:buClr>
+              <a:buNone/>
+              <a:defRPr sz="1800">
+                <a:solidFill>
+                  <a:schemeClr val="tx1"/>
+                </a:solidFill>
+              </a:defRPr>
+            </a:lvl2pPr>
+            <a:lvl3pPr marL="714375" indent="0">
+              <a:buClr>
+                <a:schemeClr val="tx1"/>
+              </a:buClr>
+              <a:buNone/>
+              <a:defRPr sz="1800">
+                <a:solidFill>
+                  <a:schemeClr val="tx1"/>
+                </a:solidFill>
+              </a:defRPr>
+            </a:lvl3pPr>
+            <a:lvl4pPr marL="1081087" indent="0">
+              <a:buClr>
+                <a:schemeClr val="tx1"/>
+              </a:buClr>
+              <a:buNone/>
+              <a:defRPr sz="1800">
+                <a:solidFill>
+                  <a:schemeClr val="tx1"/>
+                </a:solidFill>
+              </a:defRPr>
+            </a:lvl4pPr>
+            <a:lvl5pPr marL="1438275" indent="0">
+              <a:buClr>
+                <a:schemeClr val="tx1"/>
+              </a:buClr>
+              <a:buNone/>
+              <a:defRPr sz="1800">
+                <a:solidFill>
+                  <a:schemeClr val="tx1"/>
+                </a:solidFill>
+              </a:defRPr>
+            </a:lvl5pPr>
+          </a:lstStyle>
+          <a:p>
+            <a:pPr lvl="0"/>
+            <a:r>
+              <a:rPr lang="en-GB" dirty="0"/>
+              <a:t>Subhead</a:t>
+            </a:r>
+          </a:p>
+        </p:txBody>
+      </p:sp>
+      <p:sp>
+        <p:nvSpPr>
+          <p:cNvPr id="11" name="Data up to">
+            <a:extLst>
+              <a:ext uri="{FF2B5EF4-FFF2-40B4-BE49-F238E27FC236}">
+                <a16:creationId xmlns:a16="http://schemas.microsoft.com/office/drawing/2014/main" id="{0FCCD5B7-3205-11F2-9DFC-D1415D7E3781}"/>
+              </a:ext>
+            </a:extLst>
+          </p:cNvPr>
+          <p:cNvSpPr>
+            <a:spLocks noGrp="1"/>
+          </p:cNvSpPr>
+          <p:nvPr>
+            <p:ph type="body" sz="quarter" idx="21" hasCustomPrompt="1"/>
+          </p:nvPr>
+        </p:nvSpPr>
+        <p:spPr>
+          <a:xfrm>
+            <a:off x="10154194" y="477030"/>
+            <a:ext cx="1867201" cy="237735"/>
+          </a:xfrm>
+        </p:spPr>
+        <p:txBody>
+          <a:bodyPr>
+            <a:noAutofit/>
+          </a:bodyPr>
+          <a:lstStyle>
+            <a:lvl1pPr marL="0" indent="0" algn="r">
+              <a:buNone/>
+              <a:defRPr sz="1050">
+                <a:solidFill>
+                  <a:schemeClr val="accent6"/>
+                </a:solidFill>
+                <a:latin typeface="Arial" panose="020B0604020202020204" pitchFamily="34" charset="0"/>
+                <a:cs typeface="Arial" panose="020B0604020202020204" pitchFamily="34" charset="0"/>
+              </a:defRPr>
+            </a:lvl1pPr>
+            <a:lvl2pPr>
+              <a:defRPr sz="1200"/>
+            </a:lvl2pPr>
+            <a:lvl3pPr>
+              <a:defRPr sz="1200"/>
+            </a:lvl3pPr>
+            <a:lvl4pPr>
+              <a:defRPr sz="1200"/>
+            </a:lvl4pPr>
+            <a:lvl5pPr>
+              <a:defRPr sz="1200"/>
+            </a:lvl5pPr>
+          </a:lstStyle>
+          <a:p>
+            <a:pPr lvl="0"/>
+            <a:r>
+              <a:rPr lang="en-GB" dirty="0"/>
+              <a:t>Date</a:t>
+            </a:r>
+          </a:p>
+        </p:txBody>
+      </p:sp>
+      <p:sp>
+        <p:nvSpPr>
+          <p:cNvPr id="7" name="Title">
+            <a:extLst>
+              <a:ext uri="{FF2B5EF4-FFF2-40B4-BE49-F238E27FC236}">
+                <a16:creationId xmlns:a16="http://schemas.microsoft.com/office/drawing/2014/main" id="{47E4AB90-2CB6-0646-B56C-4B58E33EC909}"/>
+              </a:ext>
+            </a:extLst>
+          </p:cNvPr>
+          <p:cNvSpPr>
+            <a:spLocks noGrp="1"/>
+          </p:cNvSpPr>
+          <p:nvPr>
+            <p:ph type="title" hasCustomPrompt="1"/>
+          </p:nvPr>
+        </p:nvSpPr>
+        <p:spPr>
+          <a:xfrm>
+            <a:off x="324425" y="154606"/>
+            <a:ext cx="11404154" cy="505641"/>
+          </a:xfrm>
+          <a:prstGeom prst="rect">
+            <a:avLst/>
+          </a:prstGeom>
+        </p:spPr>
+        <p:txBody>
+          <a:bodyPr lIns="0" tIns="0" rIns="0" bIns="0">
+            <a:normAutofit/>
+          </a:bodyPr>
+          <a:lstStyle>
+            <a:lvl1pPr>
+              <a:defRPr sz="2800" b="1">
+                <a:solidFill>
+                  <a:srgbClr val="005EB8"/>
+                </a:solidFill>
+              </a:defRPr>
+            </a:lvl1pPr>
+          </a:lstStyle>
+          <a:p>
+            <a:r>
+              <a:rPr lang="en-GB" dirty="0"/>
+              <a:t>Heading</a:t>
+            </a:r>
+          </a:p>
+        </p:txBody>
+      </p:sp>
+      <p:sp>
+        <p:nvSpPr>
+          <p:cNvPr id="16" name="IG">
+            <a:extLst>
+              <a:ext uri="{FF2B5EF4-FFF2-40B4-BE49-F238E27FC236}">
+                <a16:creationId xmlns:a16="http://schemas.microsoft.com/office/drawing/2014/main" id="{3D25BA7E-080E-C281-8066-9D666617E4F3}"/>
+              </a:ext>
+            </a:extLst>
+          </p:cNvPr>
+          <p:cNvSpPr txBox="1"/>
+          <p:nvPr userDrawn="1"/>
+        </p:nvSpPr>
+        <p:spPr>
+          <a:xfrm>
+            <a:off x="605914" y="6499337"/>
+            <a:ext cx="6058546" cy="261610"/>
+          </a:xfrm>
+          <a:prstGeom prst="rect">
+            <a:avLst/>
+          </a:prstGeom>
+          <a:noFill/>
+        </p:spPr>
+        <p:txBody>
+          <a:bodyPr wrap="square" rtlCol="0">
+            <a:spAutoFit/>
+          </a:bodyPr>
+          <a:lstStyle/>
+          <a:p>
+            <a:pPr>
+              <a:defRPr/>
+            </a:pPr>
+            <a:r>
+              <a:rPr kumimoji="0" lang="en-US" sz="1050" b="0" i="1" u="none" strike="noStrike" kern="1200" cap="none" spc="0" normalizeH="0" baseline="0" noProof="0" dirty="0">
+                <a:ln>
+                  <a:noFill/>
+                </a:ln>
+                <a:solidFill>
+                  <a:srgbClr val="FF0000"/>
+                </a:solidFill>
+                <a:effectLst/>
+                <a:uLnTx/>
+                <a:uFillTx/>
+                <a:latin typeface="Arial" charset="0"/>
+                <a:cs typeface="Arial" charset="0"/>
+              </a:rPr>
+              <a:t>All data is for management information purposes and is not for wider circulation or publication</a:t>
+            </a:r>
+            <a:endParaRPr kumimoji="0" lang="en-US" sz="1050" b="0" i="0" u="none" strike="noStrike" kern="1200" cap="none" spc="0" normalizeH="0" baseline="0" noProof="0" dirty="0">
+              <a:ln>
+                <a:noFill/>
+              </a:ln>
+              <a:solidFill>
+                <a:srgbClr val="A5A5A5">
+                  <a:lumMod val="60000"/>
+                  <a:lumOff val="40000"/>
+                </a:srgbClr>
+              </a:solidFill>
+              <a:effectLst/>
+              <a:uLnTx/>
+              <a:uFillTx/>
+              <a:latin typeface="Arial" charset="0"/>
+              <a:cs typeface="Arial" charset="0"/>
+            </a:endParaRPr>
+          </a:p>
+        </p:txBody>
+      </p:sp>
+      <p:sp>
+        <p:nvSpPr>
+          <p:cNvPr id="2" name="Source">
+            <a:extLst>
+              <a:ext uri="{FF2B5EF4-FFF2-40B4-BE49-F238E27FC236}">
+                <a16:creationId xmlns:a16="http://schemas.microsoft.com/office/drawing/2014/main" id="{557AEF30-B5C8-677D-684C-E53C5526310F}"/>
+              </a:ext>
+            </a:extLst>
+          </p:cNvPr>
+          <p:cNvSpPr>
+            <a:spLocks noGrp="1"/>
+          </p:cNvSpPr>
+          <p:nvPr>
+            <p:ph type="body" sz="quarter" idx="24"/>
+          </p:nvPr>
+        </p:nvSpPr>
+        <p:spPr>
+          <a:xfrm>
+            <a:off x="6430632" y="6497263"/>
+            <a:ext cx="4932000" cy="262800"/>
+          </a:xfrm>
+        </p:spPr>
+        <p:txBody>
+          <a:bodyPr anchor="ctr">
+            <a:normAutofit/>
+          </a:bodyPr>
+          <a:lstStyle>
+            <a:lvl1pPr marL="0" indent="0" algn="r">
+              <a:buNone/>
+              <a:defRPr sz="1050" i="1">
+                <a:solidFill>
+                  <a:schemeClr val="accent6"/>
+                </a:solidFill>
+                <a:latin typeface="Arial" panose="020B0604020202020204" pitchFamily="34" charset="0"/>
+                <a:cs typeface="Arial" panose="020B0604020202020204" pitchFamily="34" charset="0"/>
+              </a:defRPr>
+            </a:lvl1pPr>
+          </a:lstStyle>
+          <a:p>
+            <a:pPr lvl="0"/>
+            <a:r>
+              <a:rPr lang="en-GB" dirty="0"/>
+              <a:t>Click to edit Master text styles</a:t>
+            </a:r>
+          </a:p>
+        </p:txBody>
+      </p:sp>
+      <p:sp>
+        <p:nvSpPr>
+          <p:cNvPr id="5" name="Text Placeholder 4">
+            <a:extLst>
+              <a:ext uri="{FF2B5EF4-FFF2-40B4-BE49-F238E27FC236}">
+                <a16:creationId xmlns:a16="http://schemas.microsoft.com/office/drawing/2014/main" id="{1E2C6DB7-160F-3683-9CFE-35AC713FAD23}"/>
+              </a:ext>
+            </a:extLst>
+          </p:cNvPr>
+          <p:cNvSpPr>
+            <a:spLocks noGrp="1"/>
+          </p:cNvSpPr>
+          <p:nvPr>
+            <p:ph type="body" sz="quarter" idx="25" hasCustomPrompt="1"/>
+          </p:nvPr>
+        </p:nvSpPr>
+        <p:spPr>
+          <a:xfrm>
+            <a:off x="6221413" y="5332413"/>
+            <a:ext cx="5800725" cy="495300"/>
+          </a:xfrm>
+        </p:spPr>
+        <p:txBody>
+          <a:bodyPr/>
+          <a:lstStyle>
+            <a:lvl1pPr>
+              <a:defRPr/>
+            </a:lvl1pPr>
+          </a:lstStyle>
+          <a:p>
+            <a:pPr lvl="0"/>
+            <a:r>
+              <a:rPr lang="en-GB"/>
+              <a:t>Source:</a:t>
+            </a:r>
+            <a:endParaRPr lang="en-GB" dirty="0"/>
+          </a:p>
+        </p:txBody>
+      </p:sp>
+    </p:spTree>
+    <p:extLst>
+      <p:ext uri="{BB962C8B-B14F-4D97-AF65-F5344CB8AC3E}">
+        <p14:creationId xmlns:p14="http://schemas.microsoft.com/office/powerpoint/2010/main" val="1392364112"/>
+      </p:ext>
+    </p:extLst>
+  </p:cSld>
+  <p:clrMapOvr>
+    <a:masterClrMapping/>
+  </p:clrMapOvr>
+  <mc:AlternateContent xmlns:mc="http://schemas.openxmlformats.org/markup-compatibility/2006" xmlns:p14="http://schemas.microsoft.com/office/powerpoint/2010/main">
+    <mc:Choice Requires="p14">
+      <p:transition spd="med" p14:dur="700">
+        <p:fade/>
+      </p:transition>
+    </mc:Choice>
+    <mc:Fallback xmlns="">
+      <p:transition spd="med">
+        <p:fade/>
+      </p:transition>
+    </mc:Fallback>
+  </mc:AlternateContent>
+</p:sldLayout>
+</file>
+
+<file path=ppt/slideLayouts/slideLayout3.xml><?xml version="1.0" encoding="utf-8"?>
+<p:sldLayout xmlns:a="http://schemas.openxmlformats.org/drawingml/2006/main" xmlns:r="http://schemas.openxmlformats.org/officeDocument/2006/relationships" xmlns:p="http://schemas.openxmlformats.org/presentationml/2006/main" showMasterSp="0" preserve="1" userDrawn="1">
+  <p:cSld name="Tables">
+    <p:spTree>
+      <p:nvGrpSpPr>
+        <p:cNvPr id="1" name=""/>
+        <p:cNvGrpSpPr/>
+        <p:nvPr/>
+      </p:nvGrpSpPr>
+      <p:grpSpPr>
+        <a:xfrm>
+          <a:off x="0" y="0"/>
+          <a:ext cx="0" cy="0"/>
+          <a:chOff x="0" y="0"/>
+          <a:chExt cx="0" cy="0"/>
+        </a:xfrm>
+      </p:grpSpPr>
+      <p:sp>
+        <p:nvSpPr>
+          <p:cNvPr id="9" name="TextBox 8">
+            <a:extLst>
+              <a:ext uri="{FF2B5EF4-FFF2-40B4-BE49-F238E27FC236}">
+                <a16:creationId xmlns:a16="http://schemas.microsoft.com/office/drawing/2014/main" id="{990784B1-AA1E-DC4B-BEB4-EC05249AFE00}"/>
+              </a:ext>
+            </a:extLst>
+          </p:cNvPr>
+          <p:cNvSpPr txBox="1"/>
+          <p:nvPr userDrawn="1"/>
+        </p:nvSpPr>
+        <p:spPr>
+          <a:xfrm>
+            <a:off x="4700954" y="4232031"/>
+            <a:ext cx="0" cy="0"/>
+          </a:xfrm>
+          <a:prstGeom prst="rect">
+            <a:avLst/>
+          </a:prstGeom>
+          <a:noFill/>
+        </p:spPr>
+        <p:txBody>
+          <a:bodyPr wrap="none" lIns="0" tIns="0" rIns="0" bIns="0" rtlCol="0">
+            <a:noAutofit/>
+          </a:bodyPr>
+          <a:lstStyle/>
+          <a:p>
+            <a:endParaRPr lang="en-GB" sz="1200" b="1">
+              <a:solidFill>
+                <a:schemeClr val="accent1"/>
+              </a:solidFill>
+            </a:endParaRPr>
+          </a:p>
+        </p:txBody>
+      </p:sp>
+      <p:sp>
+        <p:nvSpPr>
+          <p:cNvPr id="10" name="Rectangle 9">
+            <a:extLst>
+              <a:ext uri="{FF2B5EF4-FFF2-40B4-BE49-F238E27FC236}">
+                <a16:creationId xmlns:a16="http://schemas.microsoft.com/office/drawing/2014/main" id="{E42CCDA4-D437-6B48-8BBD-CAC30F281160}"/>
+              </a:ext>
+            </a:extLst>
+          </p:cNvPr>
+          <p:cNvSpPr/>
+          <p:nvPr userDrawn="1"/>
+        </p:nvSpPr>
+        <p:spPr>
+          <a:xfrm>
+            <a:off x="11444644" y="6477209"/>
+            <a:ext cx="372218" cy="276999"/>
+          </a:xfrm>
+          <a:prstGeom prst="rect">
+            <a:avLst/>
+          </a:prstGeom>
+        </p:spPr>
+        <p:txBody>
+          <a:bodyPr wrap="none">
+            <a:spAutoFit/>
+          </a:bodyPr>
+          <a:lstStyle/>
+          <a:p>
+            <a:pPr algn="r"/>
+            <a:fld id="{BA3B713D-1FBB-0E4F-91D0-D2B735266E79}" type="slidenum">
+              <a:rPr lang="en-GB" sz="1200" smtClean="0">
+                <a:solidFill>
+                  <a:schemeClr val="accent6"/>
+                </a:solidFill>
+              </a:rPr>
+              <a:pPr algn="r"/>
+              <a:t>‹#›</a:t>
+            </a:fld>
+            <a:endParaRPr lang="en-GB" sz="1200" dirty="0">
+              <a:solidFill>
+                <a:schemeClr val="accent6"/>
+              </a:solidFill>
+            </a:endParaRPr>
+          </a:p>
+        </p:txBody>
+      </p:sp>
+      <p:cxnSp>
+        <p:nvCxnSpPr>
+          <p:cNvPr id="12" name="Straight Connector 11">
+            <a:extLst>
+              <a:ext uri="{FF2B5EF4-FFF2-40B4-BE49-F238E27FC236}">
+                <a16:creationId xmlns:a16="http://schemas.microsoft.com/office/drawing/2014/main" id="{18E2133D-2149-6B45-BEAB-A2D5E225B5AD}"/>
+              </a:ext>
+            </a:extLst>
+          </p:cNvPr>
+          <p:cNvCxnSpPr>
+            <a:cxnSpLocks/>
+          </p:cNvCxnSpPr>
+          <p:nvPr userDrawn="1"/>
+        </p:nvCxnSpPr>
+        <p:spPr>
+          <a:xfrm>
+            <a:off x="408789" y="6425650"/>
+            <a:ext cx="11399211" cy="0"/>
+          </a:xfrm>
+          <a:prstGeom prst="line">
+            <a:avLst/>
+          </a:prstGeom>
+          <a:ln w="6350">
+            <a:solidFill>
+              <a:schemeClr val="accent2"/>
+            </a:solidFill>
+          </a:ln>
+        </p:spPr>
+        <p:style>
+          <a:lnRef idx="1">
+            <a:schemeClr val="accent1"/>
+          </a:lnRef>
+          <a:fillRef idx="0">
+            <a:schemeClr val="accent1"/>
+          </a:fillRef>
+          <a:effectRef idx="0">
+            <a:schemeClr val="accent1"/>
+          </a:effectRef>
+          <a:fontRef idx="minor">
+            <a:schemeClr val="tx1"/>
+          </a:fontRef>
+        </p:style>
+      </p:cxnSp>
+      <p:pic>
+        <p:nvPicPr>
+          <p:cNvPr id="4" name="Picture 3">
+            <a:extLst>
+              <a:ext uri="{FF2B5EF4-FFF2-40B4-BE49-F238E27FC236}">
+                <a16:creationId xmlns:a16="http://schemas.microsoft.com/office/drawing/2014/main" id="{129FE9CC-24C2-9AAC-6340-A9E7BC324939}"/>
+              </a:ext>
+            </a:extLst>
+          </p:cNvPr>
+          <p:cNvPicPr>
+            <a:picLocks noChangeAspect="1"/>
+          </p:cNvPicPr>
+          <p:nvPr userDrawn="1"/>
+        </p:nvPicPr>
+        <p:blipFill>
+          <a:blip r:embed="rId2"/>
+          <a:stretch>
+            <a:fillRect/>
+          </a:stretch>
+        </p:blipFill>
+        <p:spPr>
+          <a:xfrm rot="10800000">
+            <a:off x="9220370" y="244040"/>
+            <a:ext cx="3064672" cy="187960"/>
+          </a:xfrm>
+          <a:prstGeom prst="rect">
+            <a:avLst/>
+          </a:prstGeom>
+        </p:spPr>
+      </p:pic>
+      <p:sp>
+        <p:nvSpPr>
+          <p:cNvPr id="15" name="Table">
+            <a:extLst>
+              <a:ext uri="{FF2B5EF4-FFF2-40B4-BE49-F238E27FC236}">
+                <a16:creationId xmlns:a16="http://schemas.microsoft.com/office/drawing/2014/main" id="{73B24655-9588-E787-79C1-86112762F024}"/>
+              </a:ext>
+            </a:extLst>
+          </p:cNvPr>
+          <p:cNvSpPr>
+            <a:spLocks noGrp="1"/>
+          </p:cNvSpPr>
+          <p:nvPr>
+            <p:ph sz="quarter" idx="17"/>
+          </p:nvPr>
+        </p:nvSpPr>
+        <p:spPr>
+          <a:xfrm>
+            <a:off x="7049192" y="1043421"/>
+            <a:ext cx="4786621" cy="5420811"/>
+          </a:xfrm>
+        </p:spPr>
+        <p:txBody>
+          <a:bodyPr/>
+          <a:lstStyle/>
+          <a:p>
+            <a:pPr lvl="0"/>
+            <a:r>
+              <a:rPr lang="en-US" dirty="0"/>
+              <a:t>Click to edit Master text styles</a:t>
+            </a:r>
+          </a:p>
+          <a:p>
+            <a:pPr lvl="1"/>
+            <a:r>
+              <a:rPr lang="en-US" dirty="0"/>
+              <a:t>Second level</a:t>
+            </a:r>
+          </a:p>
+          <a:p>
+            <a:pPr lvl="2"/>
+            <a:r>
+              <a:rPr lang="en-US" dirty="0"/>
+              <a:t>Third level</a:t>
+            </a:r>
+          </a:p>
+        </p:txBody>
+      </p:sp>
+      <p:sp>
+        <p:nvSpPr>
+          <p:cNvPr id="13" name="Narrative">
+            <a:extLst>
+              <a:ext uri="{FF2B5EF4-FFF2-40B4-BE49-F238E27FC236}">
+                <a16:creationId xmlns:a16="http://schemas.microsoft.com/office/drawing/2014/main" id="{14817992-0A9D-E7F5-4CBC-352D5F4839CE}"/>
+              </a:ext>
+            </a:extLst>
+          </p:cNvPr>
+          <p:cNvSpPr>
+            <a:spLocks noGrp="1"/>
+          </p:cNvSpPr>
+          <p:nvPr>
+            <p:ph type="body" sz="quarter" idx="19"/>
+          </p:nvPr>
+        </p:nvSpPr>
+        <p:spPr>
+          <a:xfrm>
+            <a:off x="324420" y="1044305"/>
+            <a:ext cx="6408889" cy="5307658"/>
+          </a:xfrm>
+          <a:solidFill>
+            <a:srgbClr val="FFC000"/>
+          </a:solidFill>
         </p:spPr>
         <p:txBody>
           <a:bodyPr lIns="0" tIns="0" rIns="0" bIns="0">
@@ -2485,7 +3234,7 @@
     </p:spTree>
     <p:extLst>
       <p:ext uri="{BB962C8B-B14F-4D97-AF65-F5344CB8AC3E}">
-        <p14:creationId xmlns:p14="http://schemas.microsoft.com/office/powerpoint/2010/main" val="1392364112"/>
+        <p14:creationId xmlns:p14="http://schemas.microsoft.com/office/powerpoint/2010/main" val="2799714396"/>
       </p:ext>
     </p:extLst>
   </p:cSld>
@@ -2677,7 +3426,7 @@
           <a:p>
             <a:fld id="{E5DE0DA5-B22D-460C-B908-E6438FE4880A}" type="datetimeFigureOut">
               <a:rPr lang="en-GB" smtClean="0"/>
-              <a:t>31/01/2024</a:t>
+              <a:t>02/02/2024</a:t>
             </a:fld>
             <a:endParaRPr lang="en-GB"/>
           </a:p>
@@ -2784,6 +3533,7 @@
   <p:sldLayoutIdLst>
     <p:sldLayoutId id="2147483711" r:id="rId1"/>
     <p:sldLayoutId id="2147483717" r:id="rId2"/>
+    <p:sldLayoutId id="2147483718" r:id="rId3"/>
   </p:sldLayoutIdLst>
   <mc:AlternateContent xmlns:mc="http://schemas.openxmlformats.org/markup-compatibility/2006" xmlns:p14="http://schemas.microsoft.com/office/powerpoint/2010/main">
     <mc:Choice Requires="p14">
